--- a/libevent.pptx
+++ b/libevent.pptx
@@ -11,23 +11,23 @@
     <p:sldId id="256" r:id="rId3"/>
     <p:sldId id="257" r:id="rId4"/>
     <p:sldId id="286" r:id="rId5"/>
-    <p:sldId id="259" r:id="rId6"/>
-    <p:sldId id="276" r:id="rId7"/>
-    <p:sldId id="280" r:id="rId8"/>
-    <p:sldId id="281" r:id="rId9"/>
-    <p:sldId id="278" r:id="rId10"/>
-    <p:sldId id="287" r:id="rId11"/>
-    <p:sldId id="288" r:id="rId12"/>
-    <p:sldId id="300" r:id="rId13"/>
-    <p:sldId id="289" r:id="rId14"/>
-    <p:sldId id="291" r:id="rId15"/>
-    <p:sldId id="292" r:id="rId16"/>
-    <p:sldId id="293" r:id="rId17"/>
-    <p:sldId id="294" r:id="rId18"/>
-    <p:sldId id="295" r:id="rId19"/>
-    <p:sldId id="296" r:id="rId20"/>
-    <p:sldId id="297" r:id="rId21"/>
-    <p:sldId id="298" r:id="rId22"/>
+    <p:sldId id="297" r:id="rId6"/>
+    <p:sldId id="259" r:id="rId7"/>
+    <p:sldId id="276" r:id="rId8"/>
+    <p:sldId id="280" r:id="rId9"/>
+    <p:sldId id="281" r:id="rId10"/>
+    <p:sldId id="278" r:id="rId11"/>
+    <p:sldId id="287" r:id="rId12"/>
+    <p:sldId id="288" r:id="rId13"/>
+    <p:sldId id="300" r:id="rId14"/>
+    <p:sldId id="289" r:id="rId15"/>
+    <p:sldId id="291" r:id="rId16"/>
+    <p:sldId id="292" r:id="rId17"/>
+    <p:sldId id="293" r:id="rId18"/>
+    <p:sldId id="294" r:id="rId19"/>
+    <p:sldId id="295" r:id="rId20"/>
+    <p:sldId id="296" r:id="rId21"/>
+    <p:sldId id="311" r:id="rId22"/>
     <p:sldId id="258" r:id="rId23"/>
   </p:sldIdLst>
   <p:sldSz cx="9144000" cy="6858000" type="screen4x3"/>
@@ -1593,55 +1593,51 @@
             <p:ph idx="1"/>
           </p:nvPr>
         </p:nvSpPr>
-        <p:spPr/>
+        <p:spPr>
+          <a:xfrm>
+            <a:off x="467360" y="1628775"/>
+            <a:ext cx="8229600" cy="4525963"/>
+          </a:xfrm>
+        </p:spPr>
         <p:txBody>
           <a:bodyPr/>
           <a:lstStyle/>
           <a:p>
             <a:r>
               <a:rPr lang="zh-CN" altLang="en-US" sz="2800"/>
-              <a:t>事件处理</a:t>
+              <a:t>流程图：</a:t>
             </a:r>
             <a:endParaRPr lang="zh-CN" altLang="en-US" sz="2800"/>
           </a:p>
           <a:p>
-            <a:pPr marL="0" indent="0">
-              <a:buNone/>
-            </a:pPr>
-            <a:r>
-              <a:rPr lang="en-US" altLang="zh-CN" sz="2800"/>
-              <a:t>1</a:t>
-            </a:r>
-            <a:r>
-              <a:rPr lang="zh-CN" altLang="en-US" sz="2800"/>
-              <a:t>、事件触发后根据事件优先级放入</a:t>
-            </a:r>
-            <a:r>
-              <a:rPr lang="en-US" altLang="zh-CN" sz="2800"/>
-              <a:t>event_base</a:t>
-            </a:r>
-            <a:r>
-              <a:rPr lang="zh-CN" altLang="en-US" sz="2800"/>
-              <a:t>中对应的优先级队列。</a:t>
-            </a:r>
             <a:endParaRPr lang="zh-CN" altLang="en-US" sz="2800"/>
           </a:p>
-          <a:p>
-            <a:pPr marL="0" indent="0">
-              <a:buNone/>
-            </a:pPr>
-            <a:r>
-              <a:rPr lang="en-US" altLang="zh-CN" sz="2800"/>
-              <a:t>2</a:t>
-            </a:r>
-            <a:r>
-              <a:rPr lang="zh-CN" altLang="en-US" sz="2800"/>
-              <a:t>、从高到低遍历所有队列，依次处理所有事件。</a:t>
-            </a:r>
-            <a:endParaRPr lang="zh-CN" altLang="en-US" sz="2800"/>
-          </a:p>
-        </p:txBody>
-      </p:sp>
+        </p:txBody>
+      </p:sp>
+      <p:pic>
+        <p:nvPicPr>
+          <p:cNvPr id="4" name="图片 3"/>
+          <p:cNvPicPr>
+            <a:picLocks noChangeAspect="1"/>
+          </p:cNvPicPr>
+          <p:nvPr/>
+        </p:nvPicPr>
+        <p:blipFill>
+          <a:blip r:embed="rId1"/>
+          <a:stretch>
+            <a:fillRect/>
+          </a:stretch>
+        </p:blipFill>
+        <p:spPr>
+          <a:xfrm>
+            <a:off x="971550" y="2277110"/>
+            <a:ext cx="7181215" cy="2419350"/>
+          </a:xfrm>
+          <a:prstGeom prst="rect">
+            <a:avLst/>
+          </a:prstGeom>
+        </p:spPr>
+      </p:pic>
     </p:spTree>
   </p:cSld>
   <p:clrMapOvr>
@@ -1709,11 +1705,8 @@
           <a:p>
             <a:r>
               <a:rPr lang="zh-CN" altLang="en-US" sz="2800"/>
-              <a:t>跨平台Reactor接口的实现</a:t>
-            </a:r>
-            <a:endParaRPr lang="zh-CN" altLang="en-US" sz="2800"/>
-          </a:p>
-          <a:p>
+              <a:t>事件处理</a:t>
+            </a:r>
             <a:endParaRPr lang="zh-CN" altLang="en-US" sz="2800"/>
           </a:p>
           <a:p>
@@ -1726,15 +1719,15 @@
             </a:r>
             <a:r>
               <a:rPr lang="zh-CN" altLang="en-US" sz="2800"/>
-              <a:t>、将所有后端（</a:t>
+              <a:t>、事件触发后根据事件优先级放入</a:t>
             </a:r>
             <a:r>
               <a:rPr lang="en-US" altLang="zh-CN" sz="2800"/>
-              <a:t>select epoll poll</a:t>
-            </a:r>
-            <a:r>
-              <a:rPr lang="zh-CN" altLang="en-US" sz="2800"/>
-              <a:t>）操作封装成struct eventop结构。</a:t>
+              <a:t>event_base</a:t>
+            </a:r>
+            <a:r>
+              <a:rPr lang="zh-CN" altLang="en-US" sz="2800"/>
+              <a:t>中对应的优先级队列。</a:t>
             </a:r>
             <a:endParaRPr lang="zh-CN" altLang="en-US" sz="2800"/>
           </a:p>
@@ -1748,29 +1741,7 @@
             </a:r>
             <a:r>
               <a:rPr lang="zh-CN" altLang="en-US" sz="2800"/>
-              <a:t>、初始化</a:t>
-            </a:r>
-            <a:r>
-              <a:rPr lang="en-US" altLang="zh-CN" sz="2800"/>
-              <a:t>event_base</a:t>
-            </a:r>
-            <a:r>
-              <a:rPr lang="zh-CN" altLang="en-US" sz="2800"/>
-              <a:t>时将evsel指向某个后端。</a:t>
-            </a:r>
-            <a:endParaRPr lang="zh-CN" altLang="en-US" sz="2800"/>
-          </a:p>
-          <a:p>
-            <a:pPr marL="0" indent="0">
-              <a:buNone/>
-            </a:pPr>
-            <a:r>
-              <a:rPr lang="en-US" altLang="zh-CN" sz="2800"/>
-              <a:t>3</a:t>
-            </a:r>
-            <a:r>
-              <a:rPr lang="zh-CN" altLang="en-US" sz="2800"/>
-              <a:t>、通过evsel调用指向后端。</a:t>
+              <a:t>、从高到低遍历所有队列，依次处理所有事件。</a:t>
             </a:r>
             <a:endParaRPr lang="zh-CN" altLang="en-US" sz="2800"/>
           </a:p>
@@ -1817,10 +1788,10 @@
           <a:lstStyle/>
           <a:p>
             <a:r>
-              <a:rPr lang="zh-CN" altLang="en-US">
-                <a:sym typeface="+mn-ea"/>
-              </a:rPr>
-              <a:t>信号</a:t>
+              <a:rPr lang="zh-CN" altLang="en-US" dirty="0">
+                <a:sym typeface="+mn-ea"/>
+              </a:rPr>
+              <a:t>事件循环</a:t>
             </a:r>
             <a:endParaRPr lang="zh-CN" altLang="en-US" dirty="0"/>
           </a:p>
@@ -1843,39 +1814,73 @@
           <a:p>
             <a:r>
               <a:rPr lang="zh-CN" altLang="en-US" sz="2800"/>
-              <a:t>工作原理：</a:t>
+              <a:t>跨平台Reactor接口的实现</a:t>
             </a:r>
             <a:endParaRPr lang="zh-CN" altLang="en-US" sz="2800"/>
           </a:p>
           <a:p>
             <a:endParaRPr lang="zh-CN" altLang="en-US" sz="2800"/>
           </a:p>
-        </p:txBody>
-      </p:sp>
-      <p:pic>
-        <p:nvPicPr>
-          <p:cNvPr id="4" name="图片 3"/>
-          <p:cNvPicPr>
-            <a:picLocks noChangeAspect="1"/>
-          </p:cNvPicPr>
-          <p:nvPr/>
-        </p:nvPicPr>
-        <p:blipFill>
-          <a:blip r:embed="rId1"/>
-          <a:stretch>
-            <a:fillRect/>
-          </a:stretch>
-        </p:blipFill>
-        <p:spPr>
-          <a:xfrm>
-            <a:off x="251460" y="2564765"/>
-            <a:ext cx="8728710" cy="3377565"/>
-          </a:xfrm>
-          <a:prstGeom prst="rect">
-            <a:avLst/>
-          </a:prstGeom>
-        </p:spPr>
-      </p:pic>
+          <a:p>
+            <a:pPr marL="0" indent="0">
+              <a:buNone/>
+            </a:pPr>
+            <a:r>
+              <a:rPr lang="en-US" altLang="zh-CN" sz="2800"/>
+              <a:t>1</a:t>
+            </a:r>
+            <a:r>
+              <a:rPr lang="zh-CN" altLang="en-US" sz="2800"/>
+              <a:t>、将所有后端（</a:t>
+            </a:r>
+            <a:r>
+              <a:rPr lang="en-US" altLang="zh-CN" sz="2800"/>
+              <a:t>select epoll poll</a:t>
+            </a:r>
+            <a:r>
+              <a:rPr lang="zh-CN" altLang="en-US" sz="2800"/>
+              <a:t>）操作封装成struct eventop结构。</a:t>
+            </a:r>
+            <a:endParaRPr lang="zh-CN" altLang="en-US" sz="2800"/>
+          </a:p>
+          <a:p>
+            <a:pPr marL="0" indent="0">
+              <a:buNone/>
+            </a:pPr>
+            <a:r>
+              <a:rPr lang="en-US" altLang="zh-CN" sz="2800"/>
+              <a:t>2</a:t>
+            </a:r>
+            <a:r>
+              <a:rPr lang="zh-CN" altLang="en-US" sz="2800"/>
+              <a:t>、初始化</a:t>
+            </a:r>
+            <a:r>
+              <a:rPr lang="en-US" altLang="zh-CN" sz="2800"/>
+              <a:t>event_base</a:t>
+            </a:r>
+            <a:r>
+              <a:rPr lang="zh-CN" altLang="en-US" sz="2800"/>
+              <a:t>时将evsel指向某个后端。</a:t>
+            </a:r>
+            <a:endParaRPr lang="zh-CN" altLang="en-US" sz="2800"/>
+          </a:p>
+          <a:p>
+            <a:pPr marL="0" indent="0">
+              <a:buNone/>
+            </a:pPr>
+            <a:r>
+              <a:rPr lang="en-US" altLang="zh-CN" sz="2800"/>
+              <a:t>3</a:t>
+            </a:r>
+            <a:r>
+              <a:rPr lang="zh-CN" altLang="en-US" sz="2800"/>
+              <a:t>、通过evsel调用指向后端。</a:t>
+            </a:r>
+            <a:endParaRPr lang="zh-CN" altLang="en-US" sz="2800"/>
+          </a:p>
+        </p:txBody>
+      </p:sp>
     </p:spTree>
   </p:cSld>
   <p:clrMapOvr>
@@ -1942,93 +1947,113 @@
           <a:lstStyle/>
           <a:p>
             <a:r>
-              <a:rPr lang="zh-CN" altLang="en-US" sz="2800"/>
-              <a:t>实现：</a:t>
+              <a:rPr lang="en-US" altLang="zh-CN" sz="2800" err="1">
+                <a:sym typeface="+mn-ea"/>
+              </a:rPr>
+              <a:t>epoll_wait</a:t>
+            </a:r>
+            <a:r>
+              <a:rPr lang="en-US" altLang="zh-CN" sz="2800">
+                <a:sym typeface="+mn-ea"/>
+              </a:rPr>
+              <a:t> </a:t>
+            </a:r>
+            <a:r>
+              <a:rPr lang="zh-CN" altLang="en-US" sz="2800" dirty="0">
+                <a:sym typeface="+mn-ea"/>
+              </a:rPr>
+              <a:t>对信号处理</a:t>
+            </a:r>
+            <a:endParaRPr lang="zh-CN" altLang="en-US" sz="2800" dirty="0">
+              <a:sym typeface="+mn-ea"/>
+            </a:endParaRPr>
+          </a:p>
+          <a:p>
+            <a:pPr marL="0" indent="0">
+              <a:buNone/>
+            </a:pPr>
+            <a:r>
+              <a:rPr lang="zh-CN" altLang="en-US" sz="1800" dirty="0">
+                <a:sym typeface="+mn-ea"/>
+              </a:rPr>
+              <a:t>先调用信号处理函数，完成后，</a:t>
+            </a:r>
+            <a:r>
+              <a:rPr lang="en-US" altLang="zh-CN" sz="1800" err="1">
+                <a:sym typeface="+mn-ea"/>
+              </a:rPr>
+              <a:t>epoll_wait</a:t>
+            </a:r>
+            <a:r>
+              <a:rPr lang="zh-CN" altLang="en-US" sz="1800" dirty="0">
+                <a:sym typeface="+mn-ea"/>
+              </a:rPr>
+              <a:t>返回</a:t>
+            </a:r>
+            <a:r>
+              <a:rPr lang="en-US" altLang="zh-CN" sz="1800">
+                <a:sym typeface="+mn-ea"/>
+              </a:rPr>
+              <a:t>-1</a:t>
+            </a:r>
+            <a:r>
+              <a:rPr lang="zh-CN" altLang="en-US" sz="1800" dirty="0">
+                <a:sym typeface="+mn-ea"/>
+              </a:rPr>
+              <a:t>，错误码置为</a:t>
+            </a:r>
+            <a:r>
+              <a:rPr lang="en-US" altLang="zh-CN" sz="1800">
+                <a:sym typeface="+mn-ea"/>
+              </a:rPr>
+              <a:t>EINTR</a:t>
+            </a:r>
+            <a:r>
+              <a:rPr lang="zh-CN" altLang="en-US" sz="1800">
+                <a:sym typeface="+mn-ea"/>
+              </a:rPr>
+              <a:t>。</a:t>
+            </a:r>
+            <a:endParaRPr lang="zh-CN" altLang="en-US" sz="1800">
+              <a:sym typeface="+mn-ea"/>
+            </a:endParaRPr>
+          </a:p>
+          <a:p>
+            <a:r>
+              <a:rPr lang="zh-CN" altLang="en-US" sz="2800"/>
+              <a:t>工作原理：</a:t>
             </a:r>
             <a:endParaRPr lang="zh-CN" altLang="en-US" sz="2800"/>
           </a:p>
           <a:p>
-            <a:pPr marL="0" indent="0">
-              <a:buNone/>
-            </a:pPr>
-            <a:r>
-              <a:rPr lang="en-US" altLang="zh-CN" sz="2800"/>
-              <a:t>1</a:t>
-            </a:r>
-            <a:r>
-              <a:rPr lang="zh-CN" altLang="en-US" sz="2800"/>
-              <a:t>、创建</a:t>
-            </a:r>
-            <a:r>
-              <a:rPr lang="en-US" altLang="zh-CN" sz="2800"/>
-              <a:t>socketpair</a:t>
-            </a:r>
-            <a:r>
-              <a:rPr lang="zh-CN" altLang="en-US" sz="2800"/>
-              <a:t>。</a:t>
-            </a:r>
             <a:endParaRPr lang="zh-CN" altLang="en-US" sz="2800"/>
           </a:p>
-          <a:p>
-            <a:pPr marL="0" indent="0">
-              <a:buNone/>
-            </a:pPr>
-            <a:r>
-              <a:rPr lang="en-US" altLang="zh-CN" sz="2800"/>
-              <a:t>2</a:t>
-            </a:r>
-            <a:r>
-              <a:rPr lang="zh-CN" altLang="en-US" sz="2800"/>
-              <a:t>、将</a:t>
-            </a:r>
-            <a:r>
-              <a:rPr lang="en-US" altLang="zh-CN" sz="2800"/>
-              <a:t>socketpair</a:t>
-            </a:r>
-            <a:r>
-              <a:rPr lang="zh-CN" altLang="en-US" sz="2800"/>
-              <a:t>加入监听。</a:t>
-            </a:r>
-            <a:endParaRPr lang="zh-CN" altLang="en-US" sz="2800"/>
-          </a:p>
-          <a:p>
-            <a:pPr marL="0" indent="0">
-              <a:buNone/>
-            </a:pPr>
-            <a:r>
-              <a:rPr lang="en-US" altLang="zh-CN" sz="2800"/>
-              <a:t>3</a:t>
-            </a:r>
-            <a:r>
-              <a:rPr lang="zh-CN" altLang="en-US" sz="2800"/>
-              <a:t>、设置信号捕获函数。</a:t>
-            </a:r>
-            <a:endParaRPr lang="zh-CN" altLang="en-US" sz="2800"/>
-          </a:p>
-          <a:p>
-            <a:pPr marL="0" indent="0">
-              <a:buNone/>
-            </a:pPr>
-            <a:r>
-              <a:rPr lang="en-US" altLang="zh-CN" sz="2800"/>
-              <a:t>4</a:t>
-            </a:r>
-            <a:r>
-              <a:rPr lang="zh-CN" altLang="en-US" sz="2800"/>
-              <a:t>、信号发生，往</a:t>
-            </a:r>
-            <a:r>
-              <a:rPr lang="en-US" altLang="zh-CN" sz="2800"/>
-              <a:t>socketpair</a:t>
-            </a:r>
-            <a:r>
-              <a:rPr lang="zh-CN" altLang="en-US" sz="2800"/>
-              <a:t>写入信号值。</a:t>
-            </a:r>
-            <a:endParaRPr lang="zh-CN" altLang="en-US" sz="2800"/>
-          </a:p>
-        </p:txBody>
-      </p:sp>
+        </p:txBody>
+      </p:sp>
+      <p:pic>
+        <p:nvPicPr>
+          <p:cNvPr id="4" name="图片 3"/>
+          <p:cNvPicPr>
+            <a:picLocks noChangeAspect="1"/>
+          </p:cNvPicPr>
+          <p:nvPr/>
+        </p:nvPicPr>
+        <p:blipFill>
+          <a:blip r:embed="rId1"/>
+          <a:stretch>
+            <a:fillRect/>
+          </a:stretch>
+        </p:blipFill>
+        <p:spPr>
+          <a:xfrm>
+            <a:off x="323850" y="3068955"/>
+            <a:ext cx="8728710" cy="3377565"/>
+          </a:xfrm>
+          <a:prstGeom prst="rect">
+            <a:avLst/>
+          </a:prstGeom>
+        </p:spPr>
+      </p:pic>
     </p:spTree>
   </p:cSld>
   <p:clrMapOvr>
@@ -2073,7 +2098,7 @@
               <a:rPr lang="zh-CN" altLang="en-US">
                 <a:sym typeface="+mn-ea"/>
               </a:rPr>
-              <a:t>定时器</a:t>
+              <a:t>信号</a:t>
             </a:r>
             <a:endParaRPr lang="zh-CN" altLang="en-US" dirty="0"/>
           </a:p>
@@ -2096,29 +2121,202 @@
           <a:p>
             <a:r>
               <a:rPr lang="zh-CN" altLang="en-US" sz="2800"/>
-              <a:t>管理方式：</a:t>
+              <a:t>实现：</a:t>
             </a:r>
             <a:endParaRPr lang="zh-CN" altLang="en-US" sz="2800"/>
           </a:p>
           <a:p>
-            <a:r>
-              <a:rPr lang="en-US" altLang="zh-CN" sz="2800"/>
+            <a:pPr lvl="0">
+              <a:buNone/>
+            </a:pPr>
+            <a:r>
+              <a:rPr lang="en-US" altLang="zh-CN" sz="2800">
+                <a:sym typeface="+mn-ea"/>
+              </a:rPr>
               <a:t>1</a:t>
             </a:r>
             <a:r>
-              <a:rPr lang="zh-CN" altLang="en-US" sz="2800"/>
-              <a:t>、小根堆管理。</a:t>
-            </a:r>
-            <a:endParaRPr lang="zh-CN" altLang="en-US" sz="2800"/>
-          </a:p>
-          <a:p>
-            <a:r>
-              <a:rPr lang="en-US" altLang="zh-CN" sz="2800"/>
+              <a:rPr lang="zh-CN" altLang="en-US" sz="2800" dirty="0">
+                <a:sym typeface="+mn-ea"/>
+              </a:rPr>
+              <a:t>、创建</a:t>
+            </a:r>
+            <a:r>
+              <a:rPr lang="en-US" altLang="zh-CN" sz="2800" err="1">
+                <a:sym typeface="+mn-ea"/>
+              </a:rPr>
+              <a:t>socketpair</a:t>
+            </a:r>
+            <a:r>
+              <a:rPr lang="zh-CN" altLang="en-US" sz="2800" dirty="0">
+                <a:sym typeface="+mn-ea"/>
+              </a:rPr>
+              <a:t>。</a:t>
+            </a:r>
+            <a:r>
+              <a:rPr lang="en-US" altLang="zh-CN" sz="2800" err="1">
+                <a:sym typeface="+mn-ea"/>
+              </a:rPr>
+              <a:t>epoll_init</a:t>
+            </a:r>
+            <a:r>
+              <a:rPr lang="en-US" altLang="zh-CN" sz="2800">
+                <a:sym typeface="+mn-ea"/>
+              </a:rPr>
+              <a:t>-&gt;</a:t>
+            </a:r>
+            <a:r>
+              <a:rPr lang="en-US" altLang="zh-CN" sz="2800" err="1">
+                <a:sym typeface="+mn-ea"/>
+              </a:rPr>
+              <a:t>evsig_init</a:t>
+            </a:r>
+            <a:r>
+              <a:rPr lang="en-US" altLang="zh-CN" sz="2800">
+                <a:sym typeface="+mn-ea"/>
+              </a:rPr>
+              <a:t>.</a:t>
+            </a:r>
+            <a:endParaRPr lang="zh-CN" altLang="en-US" sz="2800" dirty="0">
+              <a:latin typeface="微软雅黑" pitchFamily="34" charset="-122"/>
+              <a:ea typeface="微软雅黑" pitchFamily="34" charset="-122"/>
+            </a:endParaRPr>
+          </a:p>
+          <a:p>
+            <a:pPr lvl="0">
+              <a:buNone/>
+            </a:pPr>
+            <a:r>
+              <a:rPr lang="en-US" altLang="zh-CN" sz="2800">
+                <a:sym typeface="+mn-ea"/>
+              </a:rPr>
               <a:t>2</a:t>
             </a:r>
             <a:r>
-              <a:rPr lang="zh-CN" altLang="en-US" sz="2800"/>
-              <a:t>、通用超时管理。</a:t>
+              <a:rPr lang="zh-CN" altLang="en-US" sz="2800" dirty="0">
+                <a:sym typeface="+mn-ea"/>
+              </a:rPr>
+              <a:t>、将</a:t>
+            </a:r>
+            <a:r>
+              <a:rPr lang="en-US" altLang="zh-CN" sz="2800" err="1">
+                <a:sym typeface="+mn-ea"/>
+              </a:rPr>
+              <a:t>socketpair</a:t>
+            </a:r>
+            <a:r>
+              <a:rPr lang="zh-CN" altLang="en-US" sz="2800" dirty="0">
+                <a:sym typeface="+mn-ea"/>
+              </a:rPr>
+              <a:t>加入监听，设置信号捕获函数。</a:t>
+            </a:r>
+            <a:r>
+              <a:rPr lang="en-US" altLang="zh-CN" sz="2800" err="1">
+                <a:sym typeface="+mn-ea"/>
+              </a:rPr>
+              <a:t>event_add</a:t>
+            </a:r>
+            <a:r>
+              <a:rPr lang="en-US" altLang="zh-CN" sz="2800">
+                <a:sym typeface="+mn-ea"/>
+              </a:rPr>
+              <a:t>-&gt;</a:t>
+            </a:r>
+            <a:r>
+              <a:rPr lang="en-US" altLang="zh-CN" sz="2800" err="1">
+                <a:sym typeface="+mn-ea"/>
+              </a:rPr>
+              <a:t>evmap_signal_add</a:t>
+            </a:r>
+            <a:r>
+              <a:rPr lang="en-US" altLang="zh-CN" sz="2800">
+                <a:sym typeface="+mn-ea"/>
+              </a:rPr>
+              <a:t>-&gt;</a:t>
+            </a:r>
+            <a:r>
+              <a:rPr lang="en-US" altLang="zh-CN" sz="2800" err="1">
+                <a:sym typeface="+mn-ea"/>
+              </a:rPr>
+              <a:t>evsig_add</a:t>
+            </a:r>
+            <a:endParaRPr lang="zh-CN" altLang="en-US" sz="2800" dirty="0">
+              <a:latin typeface="微软雅黑" pitchFamily="34" charset="-122"/>
+              <a:ea typeface="微软雅黑" pitchFamily="34" charset="-122"/>
+            </a:endParaRPr>
+          </a:p>
+          <a:p>
+            <a:pPr lvl="0">
+              <a:buNone/>
+            </a:pPr>
+            <a:r>
+              <a:rPr lang="en-US" altLang="zh-CN" sz="2800">
+                <a:sym typeface="+mn-ea"/>
+              </a:rPr>
+              <a:t>3</a:t>
+            </a:r>
+            <a:r>
+              <a:rPr lang="zh-CN" altLang="en-US" sz="2800" dirty="0">
+                <a:sym typeface="+mn-ea"/>
+              </a:rPr>
+              <a:t>、信号发生，</a:t>
+            </a:r>
+            <a:r>
+              <a:rPr lang="en-US" altLang="zh-CN" sz="2800" err="1">
+                <a:sym typeface="+mn-ea"/>
+              </a:rPr>
+              <a:t>evsig_handler</a:t>
+            </a:r>
+            <a:r>
+              <a:rPr lang="zh-CN" altLang="en-US" sz="2800" dirty="0">
+                <a:sym typeface="+mn-ea"/>
+              </a:rPr>
+              <a:t>调用，往</a:t>
+            </a:r>
+            <a:r>
+              <a:rPr lang="en-US" altLang="zh-CN" sz="2800" err="1">
+                <a:sym typeface="+mn-ea"/>
+              </a:rPr>
+              <a:t>socketpair</a:t>
+            </a:r>
+            <a:r>
+              <a:rPr lang="zh-CN" altLang="en-US" sz="2800" dirty="0">
+                <a:sym typeface="+mn-ea"/>
+              </a:rPr>
+              <a:t>写入信号值。</a:t>
+            </a:r>
+            <a:endParaRPr lang="zh-CN" altLang="en-US" sz="2800" dirty="0">
+              <a:latin typeface="微软雅黑" pitchFamily="34" charset="-122"/>
+              <a:ea typeface="微软雅黑" pitchFamily="34" charset="-122"/>
+            </a:endParaRPr>
+          </a:p>
+          <a:p>
+            <a:pPr lvl="0">
+              <a:buNone/>
+            </a:pPr>
+            <a:r>
+              <a:rPr lang="en-US" altLang="zh-CN" sz="2800">
+                <a:sym typeface="+mn-ea"/>
+              </a:rPr>
+              <a:t>4</a:t>
+            </a:r>
+            <a:r>
+              <a:rPr lang="zh-CN" altLang="en-US" sz="2800" dirty="0">
+                <a:sym typeface="+mn-ea"/>
+              </a:rPr>
+              <a:t>、 </a:t>
+            </a:r>
+            <a:r>
+              <a:rPr lang="en-US" altLang="zh-CN" sz="2800" dirty="0">
+                <a:sym typeface="+mn-ea"/>
+              </a:rPr>
+              <a:t>evsig_cb</a:t>
+            </a:r>
+            <a:r>
+              <a:rPr lang="zh-CN" altLang="en-US" sz="2800" dirty="0">
+                <a:sym typeface="+mn-ea"/>
+              </a:rPr>
+              <a:t>被调用。</a:t>
             </a:r>
             <a:endParaRPr lang="zh-CN" altLang="en-US" sz="2800"/>
           </a:p>
@@ -2187,71 +2385,105 @@
         <p:spPr/>
         <p:txBody>
           <a:bodyPr>
-            <a:normAutofit fontScale="90000" lnSpcReduction="20000"/>
+            <a:normAutofit lnSpcReduction="20000"/>
           </a:bodyPr>
           <a:lstStyle/>
           <a:p>
             <a:r>
               <a:rPr lang="zh-CN" altLang="en-US" sz="2800"/>
-              <a:t>小根堆</a:t>
+              <a:t>管理方式：</a:t>
             </a:r>
             <a:endParaRPr lang="zh-CN" altLang="en-US" sz="2800"/>
           </a:p>
           <a:p>
-            <a:pPr marL="0" indent="0">
-              <a:buNone/>
-            </a:pPr>
             <a:r>
               <a:rPr lang="en-US" altLang="zh-CN" sz="2800"/>
               <a:t>1</a:t>
             </a:r>
             <a:r>
               <a:rPr lang="zh-CN" altLang="en-US" sz="2800"/>
+              <a:t>、小根堆管理。</a:t>
+            </a:r>
+            <a:endParaRPr lang="zh-CN" altLang="en-US" sz="2800"/>
+          </a:p>
+          <a:p>
+            <a:pPr marL="0" indent="0">
+              <a:buNone/>
+            </a:pPr>
+            <a:r>
+              <a:rPr lang="en-US" altLang="zh-CN" sz="1800">
+                <a:sym typeface="+mn-ea"/>
+              </a:rPr>
+              <a:t>1</a:t>
+            </a:r>
+            <a:r>
+              <a:rPr lang="zh-CN" altLang="en-US" sz="1800">
+                <a:sym typeface="+mn-ea"/>
+              </a:rPr>
               <a:t>、优点：插入和删除元素的时间都是</a:t>
             </a:r>
             <a:r>
-              <a:rPr lang="en-US" altLang="zh-CN" sz="2800"/>
+              <a:rPr lang="en-US" altLang="zh-CN" sz="1800">
+                <a:sym typeface="+mn-ea"/>
+              </a:rPr>
               <a:t>O</a:t>
             </a:r>
             <a:r>
-              <a:rPr lang="zh-CN" altLang="en-US" sz="2800"/>
+              <a:rPr lang="zh-CN" altLang="en-US" sz="1800">
+                <a:sym typeface="+mn-ea"/>
+              </a:rPr>
               <a:t>(log</a:t>
             </a:r>
             <a:r>
-              <a:rPr lang="en-US" altLang="zh-CN" sz="2800"/>
+              <a:rPr lang="en-US" altLang="zh-CN" sz="1800">
+                <a:sym typeface="+mn-ea"/>
+              </a:rPr>
               <a:t>N</a:t>
             </a:r>
             <a:r>
-              <a:rPr lang="zh-CN" altLang="en-US" sz="2800"/>
+              <a:rPr lang="zh-CN" altLang="en-US" sz="1800">
+                <a:sym typeface="+mn-ea"/>
+              </a:rPr>
               <a:t>)</a:t>
             </a:r>
-            <a:endParaRPr lang="zh-CN" altLang="en-US" sz="2800"/>
-          </a:p>
-          <a:p>
-            <a:pPr marL="0" indent="0">
-              <a:buNone/>
-            </a:pPr>
+            <a:endParaRPr lang="zh-CN" altLang="en-US" sz="1800"/>
+          </a:p>
+          <a:p>
+            <a:pPr marL="0" indent="0">
+              <a:buNone/>
+            </a:pPr>
+            <a:r>
+              <a:rPr lang="en-US" altLang="zh-CN" sz="1800">
+                <a:sym typeface="+mn-ea"/>
+              </a:rPr>
+              <a:t>2</a:t>
+            </a:r>
+            <a:r>
+              <a:rPr lang="zh-CN" altLang="en-US" sz="1800">
+                <a:sym typeface="+mn-ea"/>
+              </a:rPr>
+              <a:t>、使用场景。定时器超时时长随机。</a:t>
+            </a:r>
+            <a:endParaRPr lang="zh-CN" altLang="en-US" sz="1800"/>
+          </a:p>
+          <a:p>
             <a:r>
               <a:rPr lang="en-US" altLang="zh-CN" sz="2800"/>
               <a:t>2</a:t>
             </a:r>
             <a:r>
               <a:rPr lang="zh-CN" altLang="en-US" sz="2800"/>
-              <a:t>、使用场景。定时器超时时长随机。</a:t>
+              <a:t>、通用超时管理。</a:t>
             </a:r>
             <a:endParaRPr lang="zh-CN" altLang="en-US" sz="2800"/>
           </a:p>
           <a:p>
-            <a:pPr marL="0" indent="0">
-              <a:buNone/>
-            </a:pPr>
             <a:endParaRPr lang="zh-CN" altLang="en-US" sz="2800"/>
           </a:p>
           <a:p>
-            <a:pPr marL="457200" indent="-457200"/>
-            <a:r>
-              <a:rPr lang="zh-CN" altLang="en-US" sz="2800"/>
-              <a:t>处理过程</a:t>
+            <a:r>
+              <a:rPr lang="zh-CN" altLang="en-US" sz="2800"/>
+              <a:t>使用时间：</a:t>
             </a:r>
             <a:endParaRPr lang="zh-CN" altLang="en-US" sz="2800"/>
           </a:p>
@@ -2265,7 +2497,7 @@
             </a:r>
             <a:r>
               <a:rPr lang="zh-CN" altLang="en-US" sz="2800"/>
-              <a:t>、event_add 将定时器添加到时间堆。</a:t>
+              <a:t>、monotonic时间。boot启动后到现在的时间，用户是不能修改这个时间。</a:t>
             </a:r>
             <a:endParaRPr lang="zh-CN" altLang="en-US" sz="2800"/>
           </a:p>
@@ -2279,49 +2511,15 @@
             </a:r>
             <a:r>
               <a:rPr lang="zh-CN" altLang="en-US" sz="2800"/>
-              <a:t>、timeout_next 取出时间堆中最小时间。</a:t>
-            </a:r>
-            <a:endParaRPr lang="zh-CN" altLang="en-US" sz="2800"/>
-          </a:p>
-          <a:p>
-            <a:pPr marL="0" indent="0">
-              <a:buNone/>
-            </a:pPr>
+              <a:t>、</a:t>
+            </a:r>
             <a:r>
               <a:rPr lang="en-US" altLang="zh-CN" sz="2800"/>
-              <a:t>3</a:t>
-            </a:r>
-            <a:r>
-              <a:rPr lang="zh-CN" altLang="en-US" sz="2800"/>
-              <a:t>、evsel-&gt;dispatch(base, tv_p) 等待超时。</a:t>
-            </a:r>
-            <a:endParaRPr lang="zh-CN" altLang="en-US" sz="2800"/>
-          </a:p>
-          <a:p>
-            <a:pPr marL="0" indent="0">
-              <a:buNone/>
-            </a:pPr>
-            <a:r>
-              <a:rPr lang="en-US" altLang="zh-CN" sz="2800"/>
-              <a:t>4</a:t>
-            </a:r>
-            <a:r>
-              <a:rPr lang="zh-CN" altLang="en-US" sz="2800"/>
-              <a:t>、timeout_process 把超时时间放入激活队列。</a:t>
-            </a:r>
-            <a:endParaRPr lang="zh-CN" altLang="en-US" sz="2800"/>
-          </a:p>
-          <a:p>
-            <a:pPr marL="0" indent="0">
-              <a:buNone/>
-            </a:pPr>
-            <a:r>
-              <a:rPr lang="en-US" altLang="zh-CN" sz="2800"/>
-              <a:t>5</a:t>
-            </a:r>
-            <a:r>
-              <a:rPr lang="zh-CN" altLang="en-US" sz="2800"/>
-              <a:t>、如果设置EV_PERSIST，处理时间后通过event_persist_closure重新添加到时间堆。</a:t>
+              <a:t>unix</a:t>
+            </a:r>
+            <a:r>
+              <a:rPr lang="zh-CN" altLang="en-US" sz="2800"/>
+              <a:t>时间。</a:t>
             </a:r>
             <a:endParaRPr lang="zh-CN" altLang="en-US" sz="2800"/>
           </a:p>
@@ -2389,18 +2587,21 @@
         </p:nvSpPr>
         <p:spPr/>
         <p:txBody>
-          <a:bodyPr/>
+          <a:bodyPr>
+            <a:normAutofit lnSpcReduction="20000"/>
+          </a:bodyPr>
           <a:lstStyle/>
           <a:p>
+            <a:pPr marL="0" indent="0">
+              <a:buNone/>
+            </a:pPr>
             <a:r>
               <a:rPr lang="zh-CN" altLang="en-US" sz="2800">
                 <a:sym typeface="+mn-ea"/>
               </a:rPr>
-              <a:t>通用超时管理。</a:t>
-            </a:r>
-            <a:endParaRPr lang="zh-CN" altLang="en-US" sz="2800">
-              <a:sym typeface="+mn-ea"/>
-            </a:endParaRPr>
+              <a:t>处理过程</a:t>
+            </a:r>
+            <a:endParaRPr lang="en-US" altLang="zh-CN" sz="2800"/>
           </a:p>
           <a:p>
             <a:pPr marL="0" indent="0">
@@ -2412,7 +2613,7 @@
             </a:r>
             <a:r>
               <a:rPr lang="zh-CN" altLang="en-US" sz="2800"/>
-              <a:t>、适用场景。存在大量相同超时时长。</a:t>
+              <a:t>、event_add 将定时器添加到时间堆。</a:t>
             </a:r>
             <a:endParaRPr lang="zh-CN" altLang="en-US" sz="2800"/>
           </a:p>
@@ -2426,7 +2627,7 @@
             </a:r>
             <a:r>
               <a:rPr lang="zh-CN" altLang="en-US" sz="2800"/>
-              <a:t>、原理。相同超时时长的定时器必然依次激活，放入一个升序队列，每次只需检测第一个定时器即可。</a:t>
+              <a:t>、timeout_next 取出时间堆中最小时间。</a:t>
             </a:r>
             <a:endParaRPr lang="zh-CN" altLang="en-US" sz="2800"/>
           </a:p>
@@ -2440,23 +2641,35 @@
             </a:r>
             <a:r>
               <a:rPr lang="zh-CN" altLang="en-US" sz="2800"/>
-              <a:t>、实现。同一超时时长队列添加一个超时</a:t>
-            </a:r>
+              <a:t>、evsel-&gt;dispatch(base, tv_p) 等待超时。</a:t>
+            </a:r>
+            <a:endParaRPr lang="zh-CN" altLang="en-US" sz="2800"/>
+          </a:p>
+          <a:p>
+            <a:pPr marL="0" indent="0">
+              <a:buNone/>
+            </a:pPr>
             <a:r>
               <a:rPr lang="en-US" altLang="zh-CN" sz="2800"/>
-              <a:t>event</a:t>
-            </a:r>
-            <a:r>
-              <a:rPr lang="zh-CN" altLang="en-US" sz="2800"/>
-              <a:t>到时间堆，如该</a:t>
-            </a:r>
+              <a:t>4</a:t>
+            </a:r>
+            <a:r>
+              <a:rPr lang="zh-CN" altLang="en-US" sz="2800"/>
+              <a:t>、timeout_process 把超时时间放入激活队列。</a:t>
+            </a:r>
+            <a:endParaRPr lang="zh-CN" altLang="en-US" sz="2800"/>
+          </a:p>
+          <a:p>
+            <a:pPr marL="0" indent="0">
+              <a:buNone/>
+            </a:pPr>
             <a:r>
               <a:rPr lang="en-US" altLang="zh-CN" sz="2800"/>
-              <a:t>event</a:t>
-            </a:r>
-            <a:r>
-              <a:rPr lang="zh-CN" altLang="en-US" sz="2800"/>
-              <a:t>超时，检测队列并激活超时事件。</a:t>
+              <a:t>5</a:t>
+            </a:r>
+            <a:r>
+              <a:rPr lang="zh-CN" altLang="en-US" sz="2800"/>
+              <a:t>、如果设置EV_PERSIST，处理时间后通过event_persist_closure重新添加到时间堆。</a:t>
             </a:r>
             <a:endParaRPr lang="zh-CN" altLang="en-US" sz="2800"/>
           </a:p>
@@ -2471,6 +2684,141 @@
 </file>
 
 <file path=ppt/slides/slide17.xml><?xml version="1.0" encoding="utf-8"?>
+<p:sld xmlns:a="http://schemas.openxmlformats.org/drawingml/2006/main" xmlns:r="http://schemas.openxmlformats.org/officeDocument/2006/relationships" xmlns:p="http://schemas.openxmlformats.org/presentationml/2006/main">
+  <p:cSld>
+    <p:spTree>
+      <p:nvGrpSpPr>
+        <p:cNvPr id="1" name=""/>
+        <p:cNvGrpSpPr/>
+        <p:nvPr/>
+      </p:nvGrpSpPr>
+      <p:grpSpPr>
+        <a:xfrm>
+          <a:off x="0" y="0"/>
+          <a:ext cx="0" cy="0"/>
+          <a:chOff x="0" y="0"/>
+          <a:chExt cx="0" cy="0"/>
+        </a:xfrm>
+      </p:grpSpPr>
+      <p:sp>
+        <p:nvSpPr>
+          <p:cNvPr id="2" name="标题 1"/>
+          <p:cNvSpPr>
+            <a:spLocks noGrp="1"/>
+          </p:cNvSpPr>
+          <p:nvPr>
+            <p:ph type="title"/>
+          </p:nvPr>
+        </p:nvSpPr>
+        <p:spPr/>
+        <p:txBody>
+          <a:bodyPr/>
+          <a:lstStyle/>
+          <a:p>
+            <a:r>
+              <a:rPr lang="zh-CN" altLang="en-US">
+                <a:sym typeface="+mn-ea"/>
+              </a:rPr>
+              <a:t>定时器</a:t>
+            </a:r>
+            <a:endParaRPr lang="zh-CN" altLang="en-US" dirty="0"/>
+          </a:p>
+        </p:txBody>
+      </p:sp>
+      <p:sp>
+        <p:nvSpPr>
+          <p:cNvPr id="3" name="内容占位符 2"/>
+          <p:cNvSpPr>
+            <a:spLocks noGrp="1"/>
+          </p:cNvSpPr>
+          <p:nvPr>
+            <p:ph idx="1"/>
+          </p:nvPr>
+        </p:nvSpPr>
+        <p:spPr/>
+        <p:txBody>
+          <a:bodyPr/>
+          <a:lstStyle/>
+          <a:p>
+            <a:r>
+              <a:rPr lang="zh-CN" altLang="en-US" sz="2800">
+                <a:sym typeface="+mn-ea"/>
+              </a:rPr>
+              <a:t>通用超时管理。</a:t>
+            </a:r>
+            <a:endParaRPr lang="zh-CN" altLang="en-US" sz="2800">
+              <a:sym typeface="+mn-ea"/>
+            </a:endParaRPr>
+          </a:p>
+          <a:p>
+            <a:pPr marL="0" indent="0">
+              <a:buNone/>
+            </a:pPr>
+            <a:r>
+              <a:rPr lang="en-US" altLang="zh-CN" sz="2800"/>
+              <a:t>1</a:t>
+            </a:r>
+            <a:r>
+              <a:rPr lang="zh-CN" altLang="en-US" sz="2800"/>
+              <a:t>、适用场景。存在大量相同超时时长。</a:t>
+            </a:r>
+            <a:endParaRPr lang="zh-CN" altLang="en-US" sz="2800"/>
+          </a:p>
+          <a:p>
+            <a:pPr marL="0" indent="0">
+              <a:buNone/>
+            </a:pPr>
+            <a:r>
+              <a:rPr lang="en-US" altLang="zh-CN" sz="2800"/>
+              <a:t>2</a:t>
+            </a:r>
+            <a:r>
+              <a:rPr lang="zh-CN" altLang="en-US" sz="2800"/>
+              <a:t>、原理。相同超时时长的定时器必然依次激活，放入一个升序队列，每次只需检测第一个定时器即可。</a:t>
+            </a:r>
+            <a:endParaRPr lang="zh-CN" altLang="en-US" sz="2800"/>
+          </a:p>
+          <a:p>
+            <a:pPr marL="0" indent="0">
+              <a:buNone/>
+            </a:pPr>
+            <a:r>
+              <a:rPr lang="en-US" altLang="zh-CN" sz="2800"/>
+              <a:t>3</a:t>
+            </a:r>
+            <a:r>
+              <a:rPr lang="zh-CN" altLang="en-US" sz="2800"/>
+              <a:t>、实现。同一超时时长队列添加一个超时</a:t>
+            </a:r>
+            <a:r>
+              <a:rPr lang="en-US" altLang="zh-CN" sz="2800"/>
+              <a:t>event</a:t>
+            </a:r>
+            <a:r>
+              <a:rPr lang="zh-CN" altLang="en-US" sz="2800"/>
+              <a:t>到时间堆，如该</a:t>
+            </a:r>
+            <a:r>
+              <a:rPr lang="en-US" altLang="zh-CN" sz="2800"/>
+              <a:t>event</a:t>
+            </a:r>
+            <a:r>
+              <a:rPr lang="zh-CN" altLang="en-US" sz="2800"/>
+              <a:t>超时，检测队列并激活超时事件。</a:t>
+            </a:r>
+            <a:endParaRPr lang="zh-CN" altLang="en-US" sz="2800"/>
+          </a:p>
+        </p:txBody>
+      </p:sp>
+    </p:spTree>
+  </p:cSld>
+  <p:clrMapOvr>
+    <a:masterClrMapping/>
+  </p:clrMapOvr>
+</p:sld>
+</file>
+
+<file path=ppt/slides/slide18.xml><?xml version="1.0" encoding="utf-8"?>
 <p:sld xmlns:a="http://schemas.openxmlformats.org/drawingml/2006/main" xmlns:r="http://schemas.openxmlformats.org/officeDocument/2006/relationships" xmlns:p="http://schemas.openxmlformats.org/presentationml/2006/main">
   <p:cSld>
     <p:spTree>
@@ -2577,185 +2925,6 @@
 </p:sld>
 </file>
 
-<file path=ppt/slides/slide18.xml><?xml version="1.0" encoding="utf-8"?>
-<p:sld xmlns:a="http://schemas.openxmlformats.org/drawingml/2006/main" xmlns:r="http://schemas.openxmlformats.org/officeDocument/2006/relationships" xmlns:p="http://schemas.openxmlformats.org/presentationml/2006/main">
-  <p:cSld>
-    <p:spTree>
-      <p:nvGrpSpPr>
-        <p:cNvPr id="1" name=""/>
-        <p:cNvGrpSpPr/>
-        <p:nvPr/>
-      </p:nvGrpSpPr>
-      <p:grpSpPr>
-        <a:xfrm>
-          <a:off x="0" y="0"/>
-          <a:ext cx="0" cy="0"/>
-          <a:chOff x="0" y="0"/>
-          <a:chExt cx="0" cy="0"/>
-        </a:xfrm>
-      </p:grpSpPr>
-      <p:sp>
-        <p:nvSpPr>
-          <p:cNvPr id="2" name="标题 1"/>
-          <p:cNvSpPr>
-            <a:spLocks noGrp="1"/>
-          </p:cNvSpPr>
-          <p:nvPr>
-            <p:ph type="title"/>
-          </p:nvPr>
-        </p:nvSpPr>
-        <p:spPr/>
-        <p:txBody>
-          <a:bodyPr/>
-          <a:lstStyle/>
-          <a:p>
-            <a:r>
-              <a:rPr lang="en-US" altLang="zh-CN">
-                <a:sym typeface="+mn-ea"/>
-              </a:rPr>
-              <a:t>evbuffer</a:t>
-            </a:r>
-            <a:endParaRPr lang="zh-CN" altLang="en-US" dirty="0"/>
-          </a:p>
-        </p:txBody>
-      </p:sp>
-      <p:sp>
-        <p:nvSpPr>
-          <p:cNvPr id="3" name="内容占位符 2"/>
-          <p:cNvSpPr>
-            <a:spLocks noGrp="1"/>
-          </p:cNvSpPr>
-          <p:nvPr>
-            <p:ph idx="1"/>
-          </p:nvPr>
-        </p:nvSpPr>
-        <p:spPr/>
-        <p:txBody>
-          <a:bodyPr/>
-          <a:lstStyle/>
-          <a:p>
-            <a:r>
-              <a:rPr lang="zh-CN" altLang="en-US" sz="2800"/>
-              <a:t>操作</a:t>
-            </a:r>
-            <a:endParaRPr lang="zh-CN" altLang="en-US" sz="2800"/>
-          </a:p>
-          <a:p>
-            <a:pPr marL="0" indent="0">
-              <a:buNone/>
-            </a:pPr>
-            <a:r>
-              <a:rPr lang="en-US" altLang="zh-CN" sz="2800"/>
-              <a:t>1</a:t>
-            </a:r>
-            <a:r>
-              <a:rPr lang="zh-CN" altLang="en-US" sz="2800"/>
-              <a:t>、evbuffer_chain_new 创建一个evbuffer_chain。</a:t>
-            </a:r>
-            <a:endParaRPr lang="zh-CN" altLang="en-US" sz="2800"/>
-          </a:p>
-          <a:p>
-            <a:pPr marL="0" indent="0">
-              <a:buNone/>
-            </a:pPr>
-            <a:r>
-              <a:rPr lang="en-US" altLang="zh-CN" sz="2800"/>
-              <a:t>2</a:t>
-            </a:r>
-            <a:r>
-              <a:rPr lang="zh-CN" altLang="en-US" sz="2800"/>
-              <a:t>、evbuffer_add 在链表尾部添加数据。</a:t>
-            </a:r>
-            <a:endParaRPr lang="zh-CN" altLang="en-US" sz="2800"/>
-          </a:p>
-          <a:p>
-            <a:pPr marL="0" indent="0">
-              <a:buNone/>
-            </a:pPr>
-            <a:r>
-              <a:rPr lang="zh-CN" altLang="en-US" sz="2800"/>
-              <a:t>    </a:t>
-            </a:r>
-            <a:r>
-              <a:rPr lang="en-US" altLang="zh-CN" sz="2800"/>
-              <a:t>A</a:t>
-            </a:r>
-            <a:r>
-              <a:rPr lang="zh-CN" altLang="en-US" sz="2800"/>
-              <a:t>、链表为空。</a:t>
-            </a:r>
-            <a:endParaRPr lang="zh-CN" altLang="en-US" sz="2800"/>
-          </a:p>
-          <a:p>
-            <a:pPr marL="0" indent="0">
-              <a:buNone/>
-            </a:pPr>
-            <a:r>
-              <a:rPr lang="en-US" altLang="zh-CN" sz="2800"/>
-              <a:t>    B</a:t>
-            </a:r>
-            <a:r>
-              <a:rPr lang="zh-CN" altLang="en-US" sz="2800"/>
-              <a:t>、最后一个节点能放下本次插入数据。</a:t>
-            </a:r>
-            <a:endParaRPr lang="zh-CN" altLang="en-US" sz="2800"/>
-          </a:p>
-          <a:p>
-            <a:pPr marL="0" indent="0">
-              <a:buNone/>
-            </a:pPr>
-            <a:r>
-              <a:rPr lang="zh-CN" altLang="en-US" sz="2800"/>
-              <a:t>    </a:t>
-            </a:r>
-            <a:r>
-              <a:rPr lang="en-US" altLang="zh-CN" sz="2800"/>
-              <a:t>C</a:t>
-            </a:r>
-            <a:r>
-              <a:rPr lang="zh-CN" altLang="en-US" sz="2800"/>
-              <a:t>、最后一个节点不能放下本次插入数据。</a:t>
-            </a:r>
-            <a:endParaRPr lang="zh-CN" altLang="en-US" sz="2800"/>
-          </a:p>
-          <a:p>
-            <a:pPr marL="0" indent="0">
-              <a:buNone/>
-            </a:pPr>
-            <a:r>
-              <a:rPr lang="en-US" altLang="zh-CN" sz="2800"/>
-              <a:t>3</a:t>
-            </a:r>
-            <a:r>
-              <a:rPr lang="zh-CN" altLang="en-US" sz="2800"/>
-              <a:t>、读取数据 evbuffer_copyout和evbuffer_drain。</a:t>
-            </a:r>
-            <a:endParaRPr lang="zh-CN" altLang="en-US" sz="2800"/>
-          </a:p>
-          <a:p>
-            <a:pPr marL="0" indent="0">
-              <a:buNone/>
-            </a:pPr>
-            <a:r>
-              <a:rPr lang="en-US" altLang="zh-CN" sz="2800"/>
-              <a:t>4</a:t>
-            </a:r>
-            <a:r>
-              <a:rPr lang="zh-CN" altLang="en-US" sz="2800"/>
-              <a:t>、evbuffer_pullup 指定数据在同一段内存。</a:t>
-            </a:r>
-            <a:endParaRPr lang="zh-CN" altLang="en-US" sz="2800"/>
-          </a:p>
-        </p:txBody>
-      </p:sp>
-    </p:spTree>
-  </p:cSld>
-  <p:clrMapOvr>
-    <a:masterClrMapping/>
-  </p:clrMapOvr>
-</p:sld>
-</file>
-
 <file path=ppt/slides/slide19.xml><?xml version="1.0" encoding="utf-8"?>
 <p:sld xmlns:a="http://schemas.openxmlformats.org/drawingml/2006/main" xmlns:r="http://schemas.openxmlformats.org/officeDocument/2006/relationships" xmlns:p="http://schemas.openxmlformats.org/presentationml/2006/main">
   <p:cSld>
@@ -2788,6 +2957,12 @@
           <a:bodyPr/>
           <a:lstStyle/>
           <a:p>
+            <a:r>
+              <a:rPr lang="en-US" altLang="zh-CN">
+                <a:sym typeface="+mn-ea"/>
+              </a:rPr>
+              <a:t>evbuffer</a:t>
+            </a:r>
             <a:endParaRPr lang="zh-CN" altLang="en-US" dirty="0"/>
           </a:p>
         </p:txBody>
@@ -2804,9 +2979,135 @@
         </p:nvSpPr>
         <p:spPr/>
         <p:txBody>
-          <a:bodyPr/>
+          <a:bodyPr>
+            <a:normAutofit lnSpcReduction="10000"/>
+          </a:bodyPr>
           <a:lstStyle/>
           <a:p>
+            <a:r>
+              <a:rPr lang="zh-CN" altLang="en-US" sz="2800"/>
+              <a:t>操作</a:t>
+            </a:r>
+            <a:endParaRPr lang="zh-CN" altLang="en-US" sz="2800"/>
+          </a:p>
+          <a:p>
+            <a:pPr marL="0" indent="0">
+              <a:buNone/>
+            </a:pPr>
+            <a:r>
+              <a:rPr lang="en-US" altLang="zh-CN" sz="2800"/>
+              <a:t>1</a:t>
+            </a:r>
+            <a:r>
+              <a:rPr lang="zh-CN" altLang="en-US" sz="2800"/>
+              <a:t>、evbuffer_chain_new 创建一个evbuffer_chain。</a:t>
+            </a:r>
+            <a:endParaRPr lang="zh-CN" altLang="en-US" sz="2800"/>
+          </a:p>
+          <a:p>
+            <a:pPr marL="0" indent="0">
+              <a:buNone/>
+            </a:pPr>
+            <a:r>
+              <a:rPr lang="en-US" altLang="zh-CN" sz="2800"/>
+              <a:t>2</a:t>
+            </a:r>
+            <a:r>
+              <a:rPr lang="zh-CN" altLang="en-US" sz="2800"/>
+              <a:t>、evbuffer_add 在链表尾部添加数据。</a:t>
+            </a:r>
+            <a:endParaRPr lang="zh-CN" altLang="en-US" sz="2800"/>
+          </a:p>
+          <a:p>
+            <a:pPr marL="0" indent="0">
+              <a:buNone/>
+            </a:pPr>
+            <a:r>
+              <a:rPr lang="zh-CN" altLang="en-US" sz="2800"/>
+              <a:t>    </a:t>
+            </a:r>
+            <a:r>
+              <a:rPr lang="en-US" altLang="zh-CN" sz="2800"/>
+              <a:t>A</a:t>
+            </a:r>
+            <a:r>
+              <a:rPr lang="zh-CN" altLang="en-US" sz="2800"/>
+              <a:t>、链表为空。</a:t>
+            </a:r>
+            <a:endParaRPr lang="zh-CN" altLang="en-US" sz="2800"/>
+          </a:p>
+          <a:p>
+            <a:pPr marL="0" indent="0">
+              <a:buNone/>
+            </a:pPr>
+            <a:r>
+              <a:rPr lang="en-US" altLang="zh-CN" sz="2800"/>
+              <a:t>    B</a:t>
+            </a:r>
+            <a:r>
+              <a:rPr lang="zh-CN" altLang="en-US" sz="2800"/>
+              <a:t>、最后一个节点能放下本次插入数据。</a:t>
+            </a:r>
+            <a:endParaRPr lang="zh-CN" altLang="en-US" sz="2800"/>
+          </a:p>
+          <a:p>
+            <a:pPr marL="0" indent="0">
+              <a:buNone/>
+            </a:pPr>
+            <a:r>
+              <a:rPr lang="zh-CN" altLang="en-US" sz="2800"/>
+              <a:t>    </a:t>
+            </a:r>
+            <a:r>
+              <a:rPr lang="en-US" altLang="zh-CN" sz="2800"/>
+              <a:t>C</a:t>
+            </a:r>
+            <a:r>
+              <a:rPr lang="zh-CN" altLang="en-US" sz="2800"/>
+              <a:t>、最后一个节点不能放下本次插入数据。</a:t>
+            </a:r>
+            <a:endParaRPr lang="zh-CN" altLang="en-US" sz="2800"/>
+          </a:p>
+          <a:p>
+            <a:pPr marL="0" indent="0">
+              <a:buNone/>
+            </a:pPr>
+            <a:r>
+              <a:rPr lang="en-US" altLang="zh-CN" sz="2800"/>
+              <a:t>3</a:t>
+            </a:r>
+            <a:r>
+              <a:rPr lang="zh-CN" altLang="en-US" sz="2800"/>
+              <a:t>、读取数据 evbuffer_copyout和evbuffer_drain。</a:t>
+            </a:r>
+            <a:endParaRPr lang="zh-CN" altLang="en-US" sz="2800"/>
+          </a:p>
+          <a:p>
+            <a:pPr marL="0" indent="0">
+              <a:buNone/>
+            </a:pPr>
+            <a:r>
+              <a:rPr lang="en-US" altLang="zh-CN" sz="2800"/>
+              <a:t>4</a:t>
+            </a:r>
+            <a:r>
+              <a:rPr lang="zh-CN" altLang="en-US" sz="2800"/>
+              <a:t>、evbuffer_pullup 指定数据在同一段内存。</a:t>
+            </a:r>
+            <a:endParaRPr lang="zh-CN" altLang="en-US" sz="2800"/>
+          </a:p>
+          <a:p>
+            <a:pPr marL="0" indent="0">
+              <a:buNone/>
+            </a:pPr>
+            <a:r>
+              <a:rPr lang="en-US" altLang="zh-CN" sz="2800"/>
+              <a:t>5</a:t>
+            </a:r>
+            <a:r>
+              <a:rPr lang="zh-CN" altLang="en-US" sz="2800"/>
+              <a:t>、evbuffer_prepend在表头添加数据。</a:t>
+            </a:r>
             <a:endParaRPr lang="zh-CN" altLang="en-US" sz="2800"/>
           </a:p>
         </p:txBody>
@@ -2964,6 +3265,10 @@
           <a:bodyPr/>
           <a:lstStyle/>
           <a:p>
+            <a:r>
+              <a:rPr lang="zh-CN" altLang="en-US" dirty="0"/>
+              <a:t>bufferevent</a:t>
+            </a:r>
             <a:endParaRPr lang="zh-CN" altLang="en-US" dirty="0"/>
           </a:p>
         </p:txBody>
@@ -2983,7 +3288,122 @@
           <a:bodyPr/>
           <a:lstStyle/>
           <a:p>
+            <a:r>
+              <a:rPr lang="zh-CN" altLang="en-US" sz="2800"/>
+              <a:t>封装</a:t>
+            </a:r>
+            <a:r>
+              <a:rPr lang="en-US" altLang="zh-CN" sz="2800"/>
+              <a:t>event</a:t>
+            </a:r>
+            <a:r>
+              <a:rPr lang="zh-CN" altLang="en-US" sz="2800"/>
+              <a:t>和</a:t>
+            </a:r>
+            <a:r>
+              <a:rPr lang="en-US" altLang="zh-CN" sz="2800"/>
+              <a:t>evbuffer</a:t>
+            </a:r>
+            <a:r>
+              <a:rPr lang="zh-CN" altLang="en-US" sz="2800"/>
+              <a:t>。</a:t>
+            </a:r>
             <a:endParaRPr lang="zh-CN" altLang="en-US" sz="2800"/>
+          </a:p>
+          <a:p>
+            <a:r>
+              <a:rPr lang="zh-CN" altLang="en-US" sz="2800"/>
+              <a:t>常用操作：</a:t>
+            </a:r>
+            <a:endParaRPr lang="zh-CN" altLang="en-US" sz="2800"/>
+          </a:p>
+          <a:p>
+            <a:pPr marL="0" indent="0">
+              <a:buNone/>
+            </a:pPr>
+            <a:r>
+              <a:rPr lang="en-US" altLang="zh-CN" sz="2400"/>
+              <a:t>1</a:t>
+            </a:r>
+            <a:r>
+              <a:rPr lang="zh-CN" altLang="en-US" sz="2400"/>
+              <a:t>、bufferevent_socket_new 建立</a:t>
+            </a:r>
+            <a:r>
+              <a:rPr lang="en-US" altLang="zh-CN" sz="2400"/>
+              <a:t>socket</a:t>
+            </a:r>
+            <a:r>
+              <a:rPr lang="zh-CN" altLang="en-US" sz="2400"/>
+              <a:t>类型</a:t>
+            </a:r>
+            <a:r>
+              <a:rPr lang="zh-CN" altLang="en-US" sz="2400" dirty="0">
+                <a:sym typeface="+mn-ea"/>
+              </a:rPr>
+              <a:t>bufferevent。</a:t>
+            </a:r>
+            <a:endParaRPr lang="zh-CN" altLang="en-US" sz="2400" dirty="0">
+              <a:sym typeface="+mn-ea"/>
+            </a:endParaRPr>
+          </a:p>
+          <a:p>
+            <a:pPr marL="0" indent="0">
+              <a:buNone/>
+            </a:pPr>
+            <a:r>
+              <a:rPr lang="en-US" altLang="zh-CN" sz="2400"/>
+              <a:t>2</a:t>
+            </a:r>
+            <a:r>
+              <a:rPr lang="zh-CN" altLang="en-US" sz="2400"/>
+              <a:t>、bufferevent_setcb 设置回调。</a:t>
+            </a:r>
+            <a:endParaRPr lang="zh-CN" altLang="en-US" sz="2400"/>
+          </a:p>
+          <a:p>
+            <a:pPr marL="0" indent="0">
+              <a:buNone/>
+            </a:pPr>
+            <a:r>
+              <a:rPr lang="en-US" altLang="zh-CN" sz="2400"/>
+              <a:t>3</a:t>
+            </a:r>
+            <a:r>
+              <a:rPr lang="zh-CN" altLang="en-US" sz="2400"/>
+              <a:t>、bufferevent_enable 使</a:t>
+            </a:r>
+            <a:r>
+              <a:rPr lang="en-US" altLang="zh-CN" sz="2400"/>
+              <a:t>bufferevent</a:t>
+            </a:r>
+            <a:r>
+              <a:rPr lang="zh-CN" altLang="en-US" sz="2400"/>
+              <a:t>可以工作。</a:t>
+            </a:r>
+            <a:endParaRPr lang="zh-CN" altLang="en-US" sz="2400"/>
+          </a:p>
+          <a:p>
+            <a:pPr marL="0" indent="0">
+              <a:buNone/>
+            </a:pPr>
+            <a:r>
+              <a:rPr lang="en-US" altLang="zh-CN" sz="2400"/>
+              <a:t>4</a:t>
+            </a:r>
+            <a:r>
+              <a:rPr lang="zh-CN" altLang="en-US" sz="2400"/>
+              <a:t>、bufferevent_set_timeouts</a:t>
+            </a:r>
+            <a:r>
+              <a:rPr lang="zh-CN" altLang="en-US" sz="2400" b="1"/>
+              <a:t> </a:t>
+            </a:r>
+            <a:r>
+              <a:rPr lang="zh-CN" altLang="en-US" sz="2400"/>
+              <a:t>设置读写超时。</a:t>
+            </a:r>
+            <a:endParaRPr lang="zh-CN" altLang="en-US" sz="2400"/>
           </a:p>
         </p:txBody>
       </p:sp>
@@ -3099,7 +3519,9 @@
         </p:nvSpPr>
         <p:spPr/>
         <p:txBody>
-          <a:bodyPr/>
+          <a:bodyPr>
+            <a:normAutofit lnSpcReduction="20000"/>
+          </a:bodyPr>
           <a:lstStyle/>
           <a:p>
             <a:r>
@@ -3130,7 +3552,7 @@
               </a:rPr>
               <a:t>）操作，存储事件循环相关变量。</a:t>
             </a:r>
-            <a:endParaRPr lang="en-US" altLang="zh-CN" sz="2800">
+            <a:endParaRPr lang="zh-CN" altLang="en-US" sz="2800">
               <a:sym typeface="+mn-ea"/>
             </a:endParaRPr>
           </a:p>
@@ -3138,22 +3560,73 @@
             <a:pPr marL="0" indent="0">
               <a:buNone/>
             </a:pPr>
-            <a:endParaRPr lang="en-US" altLang="zh-CN" sz="2800"/>
-          </a:p>
-          <a:p>
-            <a:r>
-              <a:rPr lang="en-US" altLang="zh-CN" sz="2800"/>
-              <a:t>event</a:t>
-            </a:r>
-            <a:endParaRPr lang="en-US" altLang="zh-CN" sz="2800"/>
-          </a:p>
-          <a:p>
-            <a:pPr marL="0" indent="0">
-              <a:buNone/>
-            </a:pPr>
-            <a:r>
-              <a:rPr lang="zh-CN" altLang="en-US" sz="2800"/>
-              <a:t>事件封装</a:t>
+            <a:endParaRPr lang="zh-CN" altLang="en-US" sz="2800">
+              <a:sym typeface="+mn-ea"/>
+            </a:endParaRPr>
+          </a:p>
+          <a:p>
+            <a:pPr lvl="0">
+              <a:buNone/>
+            </a:pPr>
+            <a:r>
+              <a:rPr lang="zh-CN" altLang="en-US" sz="2800" dirty="0">
+                <a:sym typeface="+mn-ea"/>
+              </a:rPr>
+              <a:t>常用操作：</a:t>
+            </a:r>
+            <a:endParaRPr lang="zh-CN" altLang="en-US" sz="2800" dirty="0">
+              <a:latin typeface="微软雅黑" pitchFamily="34" charset="-122"/>
+              <a:ea typeface="微软雅黑" pitchFamily="34" charset="-122"/>
+              <a:sym typeface="+mn-ea"/>
+            </a:endParaRPr>
+          </a:p>
+          <a:p>
+            <a:pPr lvl="0">
+              <a:buNone/>
+            </a:pPr>
+            <a:r>
+              <a:rPr lang="en-US" altLang="zh-CN" sz="2800" err="1">
+                <a:sym typeface="+mn-ea"/>
+              </a:rPr>
+              <a:t>event_base_new</a:t>
+            </a:r>
+            <a:r>
+              <a:rPr lang="en-US" altLang="zh-CN" sz="2800">
+                <a:sym typeface="+mn-ea"/>
+              </a:rPr>
+              <a:t> </a:t>
+            </a:r>
+            <a:r>
+              <a:rPr lang="zh-CN" altLang="en-US" sz="2800" dirty="0">
+                <a:sym typeface="+mn-ea"/>
+              </a:rPr>
+              <a:t>选择合适后端</a:t>
+            </a:r>
+            <a:endParaRPr lang="zh-CN" altLang="en-US" sz="2800" dirty="0">
+              <a:sym typeface="+mn-ea"/>
+            </a:endParaRPr>
+          </a:p>
+          <a:p>
+            <a:pPr lvl="0">
+              <a:buNone/>
+            </a:pPr>
+            <a:r>
+              <a:rPr lang="en-US" altLang="zh-CN" sz="2800" err="1">
+                <a:sym typeface="+mn-ea"/>
+              </a:rPr>
+              <a:t>event_base_dispatch</a:t>
+            </a:r>
+            <a:r>
+              <a:rPr lang="en-US" altLang="zh-CN" sz="2800">
+                <a:sym typeface="+mn-ea"/>
+              </a:rPr>
+              <a:t>  </a:t>
+            </a:r>
+            <a:r>
+              <a:rPr lang="zh-CN" altLang="en-US" sz="2800" dirty="0">
+                <a:sym typeface="+mn-ea"/>
+              </a:rPr>
+              <a:t>启动循环</a:t>
             </a:r>
             <a:endParaRPr lang="zh-CN" altLang="en-US" sz="2800"/>
           </a:p>
@@ -3223,11 +3696,7 @@
           <a:bodyPr/>
           <a:lstStyle/>
           <a:p>
-            <a:r>
-              <a:rPr lang="zh-CN" altLang="en-US"/>
-              <a:t>数据结构</a:t>
-            </a:r>
-            <a:endParaRPr lang="zh-CN" altLang="en-US"/>
+            <a:endParaRPr lang="zh-CN" altLang="en-US" dirty="0"/>
           </a:p>
         </p:txBody>
       </p:sp>
@@ -3243,156 +3712,102 @@
         </p:nvSpPr>
         <p:spPr/>
         <p:txBody>
-          <a:bodyPr>
-            <a:normAutofit fontScale="90000"/>
-          </a:bodyPr>
+          <a:bodyPr/>
           <a:lstStyle/>
           <a:p>
             <a:r>
-              <a:rPr lang="zh-CN" altLang="en-US"/>
-              <a:t>TAILQ_QUEUE队列</a:t>
-            </a:r>
-            <a:endParaRPr lang="zh-CN" altLang="en-US" sz="2000"/>
-          </a:p>
-          <a:p>
-            <a:pPr marL="0" indent="0">
-              <a:buNone/>
-            </a:pPr>
-            <a:endParaRPr lang="zh-CN" altLang="en-US"/>
-          </a:p>
-          <a:p>
-            <a:pPr marL="0" indent="0">
-              <a:buNone/>
-            </a:pPr>
-            <a:r>
-              <a:rPr lang="en-US" altLang="zh-CN" sz="1600"/>
-              <a:t>//</a:t>
-            </a:r>
-            <a:r>
-              <a:rPr lang="zh-CN" altLang="en-US" sz="1600"/>
-              <a:t>定义队列名称</a:t>
-            </a:r>
-            <a:endParaRPr lang="zh-CN" altLang="en-US" sz="1600"/>
-          </a:p>
-          <a:p>
-            <a:pPr marL="0" indent="0">
-              <a:buNone/>
-            </a:pPr>
-            <a:r>
-              <a:rPr lang="zh-CN" altLang="en-US" sz="1600"/>
-              <a:t>#define TAILQ_HEAD(name, type)			\</a:t>
-            </a:r>
-            <a:endParaRPr lang="zh-CN" altLang="en-US" sz="1600"/>
-          </a:p>
-          <a:p>
-            <a:pPr marL="0" indent="0">
-              <a:buNone/>
-            </a:pPr>
-            <a:r>
-              <a:rPr lang="zh-CN" altLang="en-US" sz="1600"/>
-              <a:t>struct name {					\</a:t>
-            </a:r>
-            <a:endParaRPr lang="zh-CN" altLang="en-US" sz="1600"/>
-          </a:p>
-          <a:p>
-            <a:pPr marL="0" indent="0">
-              <a:buNone/>
-            </a:pPr>
-            <a:r>
-              <a:rPr lang="zh-CN" altLang="en-US" sz="1600"/>
-              <a:t>	struct type *tqh_first;			\</a:t>
-            </a:r>
-            <a:endParaRPr lang="zh-CN" altLang="en-US" sz="1600"/>
-          </a:p>
-          <a:p>
-            <a:pPr marL="0" indent="0">
-              <a:buNone/>
-            </a:pPr>
-            <a:r>
-              <a:rPr lang="zh-CN" altLang="en-US" sz="1600"/>
-              <a:t>	struct type **tqh_last;			\</a:t>
-            </a:r>
-            <a:endParaRPr lang="zh-CN" altLang="en-US" sz="1600"/>
-          </a:p>
-          <a:p>
-            <a:pPr marL="0" indent="0">
-              <a:buNone/>
-            </a:pPr>
-            <a:r>
-              <a:rPr lang="zh-CN" altLang="en-US" sz="1600"/>
-              <a:t>}</a:t>
-            </a:r>
-            <a:endParaRPr lang="zh-CN" altLang="en-US" sz="1600"/>
-          </a:p>
-          <a:p>
-            <a:pPr marL="0" indent="0">
-              <a:buNone/>
-            </a:pPr>
-            <a:endParaRPr lang="zh-CN" altLang="en-US" sz="1600"/>
-          </a:p>
-          <a:p>
-            <a:pPr marL="0" indent="0">
-              <a:buNone/>
-            </a:pPr>
-            <a:r>
-              <a:rPr lang="en-US" altLang="zh-CN" sz="1600"/>
-              <a:t>//</a:t>
-            </a:r>
-            <a:r>
-              <a:rPr lang="zh-CN" altLang="en-US" sz="1600"/>
-              <a:t>队列节点元素</a:t>
-            </a:r>
-            <a:endParaRPr lang="zh-CN" altLang="en-US" sz="1600"/>
-          </a:p>
-          <a:p>
-            <a:pPr marL="0" indent="0">
-              <a:buNone/>
-            </a:pPr>
-            <a:r>
-              <a:rPr lang="zh-CN" altLang="en-US" sz="1600"/>
-              <a:t>#define TAILQ_ENTRY(type)						\</a:t>
-            </a:r>
-            <a:endParaRPr lang="zh-CN" altLang="en-US" sz="1600"/>
-          </a:p>
-          <a:p>
-            <a:pPr marL="0" indent="0">
-              <a:buNone/>
-            </a:pPr>
-            <a:r>
-              <a:rPr lang="zh-CN" altLang="en-US" sz="1600"/>
-              <a:t>struct {								\</a:t>
-            </a:r>
-            <a:endParaRPr lang="zh-CN" altLang="en-US" sz="1600"/>
-          </a:p>
-          <a:p>
-            <a:pPr marL="0" indent="0">
-              <a:buNone/>
-            </a:pPr>
-            <a:r>
-              <a:rPr lang="zh-CN" altLang="en-US" sz="1600"/>
-              <a:t>	struct type *tqe_next;          /* next element */			\</a:t>
-            </a:r>
-            <a:endParaRPr lang="zh-CN" altLang="en-US" sz="1600"/>
-          </a:p>
-          <a:p>
-            <a:pPr marL="0" indent="0">
-              <a:buNone/>
-            </a:pPr>
-            <a:r>
-              <a:rPr lang="zh-CN" altLang="en-US" sz="1600"/>
-              <a:t>	struct type **tqe_prev;        /* address of previous next element */	\</a:t>
-            </a:r>
-            <a:endParaRPr lang="zh-CN" altLang="en-US" sz="1600"/>
-          </a:p>
-          <a:p>
-            <a:pPr marL="0" indent="0">
-              <a:buNone/>
-            </a:pPr>
-            <a:r>
-              <a:rPr lang="zh-CN" altLang="en-US" sz="1600"/>
-              <a:t>}</a:t>
-            </a:r>
-            <a:endParaRPr lang="zh-CN" altLang="en-US" sz="1600"/>
+              <a:rPr lang="en-US" altLang="zh-CN" sz="2800">
+                <a:sym typeface="+mn-ea"/>
+              </a:rPr>
+              <a:t>event</a:t>
+            </a:r>
+            <a:endParaRPr lang="en-US" altLang="zh-CN" sz="2800"/>
+          </a:p>
+          <a:p>
+            <a:pPr marL="0" indent="0">
+              <a:buNone/>
+            </a:pPr>
+            <a:r>
+              <a:rPr lang="zh-CN" altLang="en-US" sz="2800">
+                <a:sym typeface="+mn-ea"/>
+              </a:rPr>
+              <a:t>事件封装</a:t>
+            </a:r>
+            <a:endParaRPr lang="zh-CN" altLang="en-US" sz="2800">
+              <a:sym typeface="+mn-ea"/>
+            </a:endParaRPr>
+          </a:p>
+          <a:p>
+            <a:pPr marL="0" indent="0">
+              <a:buNone/>
+            </a:pPr>
+            <a:endParaRPr lang="zh-CN" altLang="en-US" sz="2800"/>
+          </a:p>
+          <a:p>
+            <a:pPr marL="0" indent="0">
+              <a:buNone/>
+            </a:pPr>
+            <a:r>
+              <a:rPr lang="zh-CN" altLang="en-US" sz="2800" dirty="0">
+                <a:sym typeface="+mn-ea"/>
+              </a:rPr>
+              <a:t>常用操作：</a:t>
+            </a:r>
+            <a:endParaRPr lang="zh-CN" altLang="en-US" sz="2800"/>
+          </a:p>
+          <a:p>
+            <a:pPr lvl="0">
+              <a:buNone/>
+            </a:pPr>
+            <a:r>
+              <a:rPr lang="en-US" altLang="zh-CN" sz="2800" err="1">
+                <a:sym typeface="+mn-ea"/>
+              </a:rPr>
+              <a:t>event_new</a:t>
+            </a:r>
+            <a:r>
+              <a:rPr lang="en-US" altLang="zh-CN" sz="2800">
+                <a:sym typeface="+mn-ea"/>
+              </a:rPr>
+              <a:t>    </a:t>
+            </a:r>
+            <a:r>
+              <a:rPr lang="zh-CN" altLang="en-US" sz="2800">
+                <a:sym typeface="+mn-ea"/>
+              </a:rPr>
+              <a:t>新增事件</a:t>
+            </a:r>
+            <a:endParaRPr lang="zh-CN" altLang="en-US" sz="2800">
+              <a:sym typeface="+mn-ea"/>
+            </a:endParaRPr>
+          </a:p>
+          <a:p>
+            <a:pPr lvl="0">
+              <a:buNone/>
+            </a:pPr>
+            <a:r>
+              <a:rPr lang="en-US" altLang="zh-CN" sz="2800" err="1">
+                <a:sym typeface="+mn-ea"/>
+              </a:rPr>
+              <a:t>event_add     </a:t>
+            </a:r>
+            <a:r>
+              <a:rPr lang="zh-CN" altLang="en-US" sz="2800" err="1">
+                <a:sym typeface="+mn-ea"/>
+              </a:rPr>
+              <a:t>将事件加入到循环</a:t>
+            </a:r>
+            <a:endParaRPr lang="zh-CN" altLang="en-US" sz="2800" err="1">
+              <a:latin typeface="微软雅黑" pitchFamily="34" charset="-122"/>
+              <a:ea typeface="微软雅黑" pitchFamily="34" charset="-122"/>
+              <a:sym typeface="+mn-ea"/>
+            </a:endParaRPr>
+          </a:p>
+          <a:p>
+            <a:pPr marL="0" indent="0">
+              <a:buNone/>
+            </a:pPr>
+            <a:endParaRPr lang="zh-CN" altLang="en-US" sz="2800"/>
           </a:p>
         </p:txBody>
       </p:sp>
@@ -3405,6 +3820,219 @@
 </file>
 
 <file path=ppt/slides/slide5.xml><?xml version="1.0" encoding="utf-8"?>
+<p:sld xmlns:a="http://schemas.openxmlformats.org/drawingml/2006/main" xmlns:r="http://schemas.openxmlformats.org/officeDocument/2006/relationships" xmlns:p="http://schemas.openxmlformats.org/presentationml/2006/main">
+  <p:cSld>
+    <p:spTree>
+      <p:nvGrpSpPr>
+        <p:cNvPr id="1" name=""/>
+        <p:cNvGrpSpPr/>
+        <p:nvPr/>
+      </p:nvGrpSpPr>
+      <p:grpSpPr>
+        <a:xfrm>
+          <a:off x="0" y="0"/>
+          <a:ext cx="0" cy="0"/>
+          <a:chOff x="0" y="0"/>
+          <a:chExt cx="0" cy="0"/>
+        </a:xfrm>
+      </p:grpSpPr>
+      <p:sp>
+        <p:nvSpPr>
+          <p:cNvPr id="2" name="标题 1"/>
+          <p:cNvSpPr>
+            <a:spLocks noGrp="1"/>
+          </p:cNvSpPr>
+          <p:nvPr>
+            <p:ph type="title"/>
+          </p:nvPr>
+        </p:nvSpPr>
+        <p:spPr/>
+        <p:txBody>
+          <a:bodyPr/>
+          <a:lstStyle/>
+          <a:p>
+            <a:r>
+              <a:rPr lang="zh-CN" altLang="en-US"/>
+              <a:t>数据结构</a:t>
+            </a:r>
+            <a:endParaRPr lang="zh-CN" altLang="en-US"/>
+          </a:p>
+        </p:txBody>
+      </p:sp>
+      <p:sp>
+        <p:nvSpPr>
+          <p:cNvPr id="3" name="内容占位符 2"/>
+          <p:cNvSpPr>
+            <a:spLocks noGrp="1"/>
+          </p:cNvSpPr>
+          <p:nvPr>
+            <p:ph idx="1"/>
+          </p:nvPr>
+        </p:nvSpPr>
+        <p:spPr/>
+        <p:txBody>
+          <a:bodyPr>
+            <a:normAutofit fontScale="90000"/>
+          </a:bodyPr>
+          <a:lstStyle/>
+          <a:p>
+            <a:r>
+              <a:rPr lang="zh-CN" altLang="en-US"/>
+              <a:t>TAILQ_QUEUE队列</a:t>
+            </a:r>
+            <a:endParaRPr lang="zh-CN" altLang="en-US" sz="2000"/>
+          </a:p>
+          <a:p>
+            <a:pPr marL="0" indent="0">
+              <a:buNone/>
+            </a:pPr>
+            <a:endParaRPr lang="zh-CN" altLang="en-US"/>
+          </a:p>
+          <a:p>
+            <a:pPr marL="0" indent="0">
+              <a:buNone/>
+            </a:pPr>
+            <a:r>
+              <a:rPr lang="en-US" altLang="zh-CN" sz="1600"/>
+              <a:t>//</a:t>
+            </a:r>
+            <a:r>
+              <a:rPr lang="zh-CN" altLang="en-US" sz="1600"/>
+              <a:t>定义队列名称</a:t>
+            </a:r>
+            <a:endParaRPr lang="zh-CN" altLang="en-US" sz="1600"/>
+          </a:p>
+          <a:p>
+            <a:pPr marL="0" indent="0">
+              <a:buNone/>
+            </a:pPr>
+            <a:r>
+              <a:rPr lang="zh-CN" altLang="en-US" sz="1600"/>
+              <a:t>#define TAILQ_HEAD(name, type)			\</a:t>
+            </a:r>
+            <a:endParaRPr lang="zh-CN" altLang="en-US" sz="1600"/>
+          </a:p>
+          <a:p>
+            <a:pPr marL="0" indent="0">
+              <a:buNone/>
+            </a:pPr>
+            <a:r>
+              <a:rPr lang="zh-CN" altLang="en-US" sz="1600"/>
+              <a:t>struct name {					\</a:t>
+            </a:r>
+            <a:endParaRPr lang="zh-CN" altLang="en-US" sz="1600"/>
+          </a:p>
+          <a:p>
+            <a:pPr marL="0" indent="0">
+              <a:buNone/>
+            </a:pPr>
+            <a:r>
+              <a:rPr lang="zh-CN" altLang="en-US" sz="1600"/>
+              <a:t>	struct type *tqh_first;			\</a:t>
+            </a:r>
+            <a:endParaRPr lang="zh-CN" altLang="en-US" sz="1600"/>
+          </a:p>
+          <a:p>
+            <a:pPr marL="0" indent="0">
+              <a:buNone/>
+            </a:pPr>
+            <a:r>
+              <a:rPr lang="zh-CN" altLang="en-US" sz="1600"/>
+              <a:t>	struct type **tqh_last;			\</a:t>
+            </a:r>
+            <a:endParaRPr lang="zh-CN" altLang="en-US" sz="1600"/>
+          </a:p>
+          <a:p>
+            <a:pPr marL="0" indent="0">
+              <a:buNone/>
+            </a:pPr>
+            <a:r>
+              <a:rPr lang="zh-CN" altLang="en-US" sz="1600"/>
+              <a:t>}</a:t>
+            </a:r>
+            <a:endParaRPr lang="zh-CN" altLang="en-US" sz="1600"/>
+          </a:p>
+          <a:p>
+            <a:pPr marL="0" indent="0">
+              <a:buNone/>
+            </a:pPr>
+            <a:endParaRPr lang="zh-CN" altLang="en-US" sz="1600"/>
+          </a:p>
+          <a:p>
+            <a:pPr marL="0" indent="0">
+              <a:buNone/>
+            </a:pPr>
+            <a:r>
+              <a:rPr lang="en-US" altLang="zh-CN" sz="1600"/>
+              <a:t>//</a:t>
+            </a:r>
+            <a:r>
+              <a:rPr lang="zh-CN" altLang="en-US" sz="1600"/>
+              <a:t>队列节点元素</a:t>
+            </a:r>
+            <a:endParaRPr lang="zh-CN" altLang="en-US" sz="1600"/>
+          </a:p>
+          <a:p>
+            <a:pPr marL="0" indent="0">
+              <a:buNone/>
+            </a:pPr>
+            <a:r>
+              <a:rPr lang="zh-CN" altLang="en-US" sz="1600"/>
+              <a:t>#define TAILQ_ENTRY(type)						\</a:t>
+            </a:r>
+            <a:endParaRPr lang="zh-CN" altLang="en-US" sz="1600"/>
+          </a:p>
+          <a:p>
+            <a:pPr marL="0" indent="0">
+              <a:buNone/>
+            </a:pPr>
+            <a:r>
+              <a:rPr lang="zh-CN" altLang="en-US" sz="1600"/>
+              <a:t>struct {								\</a:t>
+            </a:r>
+            <a:endParaRPr lang="zh-CN" altLang="en-US" sz="1600"/>
+          </a:p>
+          <a:p>
+            <a:pPr marL="0" indent="0">
+              <a:buNone/>
+            </a:pPr>
+            <a:r>
+              <a:rPr lang="zh-CN" altLang="en-US" sz="1600"/>
+              <a:t>	struct type *tqe_next;          /* next element */			\</a:t>
+            </a:r>
+            <a:endParaRPr lang="zh-CN" altLang="en-US" sz="1600"/>
+          </a:p>
+          <a:p>
+            <a:pPr marL="0" indent="0">
+              <a:buNone/>
+            </a:pPr>
+            <a:r>
+              <a:rPr lang="zh-CN" altLang="en-US" sz="1600"/>
+              <a:t>	struct type **tqe_prev;        /* address of previous next element */	\</a:t>
+            </a:r>
+            <a:endParaRPr lang="zh-CN" altLang="en-US" sz="1600"/>
+          </a:p>
+          <a:p>
+            <a:pPr marL="0" indent="0">
+              <a:buNone/>
+            </a:pPr>
+            <a:r>
+              <a:rPr lang="zh-CN" altLang="en-US" sz="1600"/>
+              <a:t>}</a:t>
+            </a:r>
+            <a:endParaRPr lang="zh-CN" altLang="en-US" sz="1600"/>
+          </a:p>
+        </p:txBody>
+      </p:sp>
+    </p:spTree>
+  </p:cSld>
+  <p:clrMapOvr>
+    <a:masterClrMapping/>
+  </p:clrMapOvr>
+</p:sld>
+</file>
+
+<file path=ppt/slides/slide6.xml><?xml version="1.0" encoding="utf-8"?>
 <p:sld xmlns:a="http://schemas.openxmlformats.org/drawingml/2006/main" xmlns:r="http://schemas.openxmlformats.org/officeDocument/2006/relationships" xmlns:p="http://schemas.openxmlformats.org/presentationml/2006/main">
   <p:cSld>
     <p:spTree>
@@ -3511,7 +4139,7 @@
 </p:sld>
 </file>
 
-<file path=ppt/slides/slide6.xml><?xml version="1.0" encoding="utf-8"?>
+<file path=ppt/slides/slide7.xml><?xml version="1.0" encoding="utf-8"?>
 <p:sld xmlns:a="http://schemas.openxmlformats.org/drawingml/2006/main" xmlns:r="http://schemas.openxmlformats.org/officeDocument/2006/relationships" xmlns:p="http://schemas.openxmlformats.org/presentationml/2006/main">
   <p:cSld>
     <p:spTree>
@@ -3772,7 +4400,7 @@
 </p:sld>
 </file>
 
-<file path=ppt/slides/slide7.xml><?xml version="1.0" encoding="utf-8"?>
+<file path=ppt/slides/slide8.xml><?xml version="1.0" encoding="utf-8"?>
 <p:sld xmlns:a="http://schemas.openxmlformats.org/drawingml/2006/main" xmlns:r="http://schemas.openxmlformats.org/officeDocument/2006/relationships" xmlns:p="http://schemas.openxmlformats.org/presentationml/2006/main">
   <p:cSld>
     <p:spTree>
@@ -3876,163 +4504,6 @@
 </p:sld>
 </file>
 
-<file path=ppt/slides/slide8.xml><?xml version="1.0" encoding="utf-8"?>
-<p:sld xmlns:a="http://schemas.openxmlformats.org/drawingml/2006/main" xmlns:r="http://schemas.openxmlformats.org/officeDocument/2006/relationships" xmlns:p="http://schemas.openxmlformats.org/presentationml/2006/main">
-  <p:cSld>
-    <p:spTree>
-      <p:nvGrpSpPr>
-        <p:cNvPr id="1" name=""/>
-        <p:cNvGrpSpPr/>
-        <p:nvPr/>
-      </p:nvGrpSpPr>
-      <p:grpSpPr>
-        <a:xfrm>
-          <a:off x="0" y="0"/>
-          <a:ext cx="0" cy="0"/>
-          <a:chOff x="0" y="0"/>
-          <a:chExt cx="0" cy="0"/>
-        </a:xfrm>
-      </p:grpSpPr>
-      <p:sp>
-        <p:nvSpPr>
-          <p:cNvPr id="2" name="标题 1"/>
-          <p:cNvSpPr>
-            <a:spLocks noGrp="1"/>
-          </p:cNvSpPr>
-          <p:nvPr>
-            <p:ph type="title"/>
-          </p:nvPr>
-        </p:nvSpPr>
-        <p:spPr/>
-        <p:txBody>
-          <a:bodyPr/>
-          <a:lstStyle/>
-          <a:p>
-            <a:r>
-              <a:rPr lang="zh-CN" altLang="en-US">
-                <a:sym typeface="+mn-ea"/>
-              </a:rPr>
-              <a:t>数据结构</a:t>
-            </a:r>
-            <a:endParaRPr lang="zh-CN" altLang="en-US" dirty="0"/>
-          </a:p>
-        </p:txBody>
-      </p:sp>
-      <p:sp>
-        <p:nvSpPr>
-          <p:cNvPr id="3" name="内容占位符 2"/>
-          <p:cNvSpPr>
-            <a:spLocks noGrp="1"/>
-          </p:cNvSpPr>
-          <p:nvPr>
-            <p:ph idx="1"/>
-          </p:nvPr>
-        </p:nvSpPr>
-        <p:spPr/>
-        <p:txBody>
-          <a:bodyPr/>
-          <a:lstStyle/>
-          <a:p>
-            <a:r>
-              <a:rPr lang="zh-CN" altLang="en-US">
-                <a:sym typeface="+mn-ea"/>
-              </a:rPr>
-              <a:t>event_signal_map</a:t>
-            </a:r>
-            <a:endParaRPr lang="zh-CN" altLang="en-US">
-              <a:sym typeface="+mn-ea"/>
-            </a:endParaRPr>
-          </a:p>
-          <a:p>
-            <a:pPr marL="0" indent="0">
-              <a:buNone/>
-            </a:pPr>
-            <a:r>
-              <a:rPr lang="en-US" altLang="zh-CN" sz="2800"/>
-              <a:t>1</a:t>
-            </a:r>
-            <a:r>
-              <a:rPr lang="zh-CN" altLang="en-US" sz="2800"/>
-              <a:t>、evmap_signal结构体是一个TAILQ_QUEUE队列</a:t>
-            </a:r>
-            <a:r>
-              <a:rPr lang="en-US" altLang="zh-CN" sz="2800"/>
-              <a:t>,同一个文件描述符fd或者信号值sig</a:t>
-            </a:r>
-            <a:r>
-              <a:rPr lang="zh-CN" altLang="en-US" sz="2800"/>
-              <a:t>通过</a:t>
-            </a:r>
-            <a:r>
-              <a:rPr lang="en-US" altLang="zh-CN" sz="2800"/>
-              <a:t>多次调用event_new、event_add函数</a:t>
-            </a:r>
-            <a:r>
-              <a:rPr lang="zh-CN" altLang="en-US" sz="2800"/>
-              <a:t>添加多个事件，</a:t>
-            </a:r>
-            <a:r>
-              <a:rPr lang="en-US" altLang="zh-CN" sz="2800"/>
-              <a:t>即存在一对多</a:t>
-            </a:r>
-            <a:r>
-              <a:rPr lang="zh-CN" altLang="en-US" sz="2800"/>
-              <a:t>关系</a:t>
-            </a:r>
-            <a:r>
-              <a:rPr lang="en-US" altLang="zh-CN" sz="2800"/>
-              <a:t>。</a:t>
-            </a:r>
-            <a:r>
-              <a:rPr lang="zh-CN" altLang="en-US" sz="2800"/>
-              <a:t>队列把多个事件连接起来</a:t>
-            </a:r>
-            <a:r>
-              <a:rPr lang="en-US" altLang="zh-CN" sz="2800"/>
-              <a:t>，方便管理。</a:t>
-            </a:r>
-            <a:endParaRPr lang="en-US" altLang="zh-CN" sz="2800"/>
-          </a:p>
-          <a:p>
-            <a:pPr marL="0" indent="0">
-              <a:buNone/>
-            </a:pPr>
-            <a:r>
-              <a:rPr lang="en-US" altLang="zh-CN" sz="2800"/>
-              <a:t>2</a:t>
-            </a:r>
-            <a:r>
-              <a:rPr lang="zh-CN" altLang="en-US" sz="2800"/>
-              <a:t>、在</a:t>
-            </a:r>
-            <a:r>
-              <a:rPr lang="en-US" altLang="zh-CN" sz="2800"/>
-              <a:t>event_base</a:t>
-            </a:r>
-            <a:r>
-              <a:rPr lang="zh-CN" altLang="en-US" sz="2800"/>
-              <a:t>结构体中，信号和</a:t>
-            </a:r>
-            <a:r>
-              <a:rPr lang="en-US" altLang="zh-CN" sz="2800"/>
-              <a:t>IO</a:t>
-            </a:r>
-            <a:r>
-              <a:rPr lang="zh-CN" altLang="en-US" sz="2800"/>
-              <a:t>为两个分开的变量。</a:t>
-            </a:r>
-            <a:endParaRPr lang="zh-CN" altLang="en-US" sz="2800"/>
-          </a:p>
-        </p:txBody>
-      </p:sp>
-    </p:spTree>
-  </p:cSld>
-  <p:clrMapOvr>
-    <a:masterClrMapping/>
-  </p:clrMapOvr>
-</p:sld>
-</file>
-
 <file path=ppt/slides/slide9.xml><?xml version="1.0" encoding="utf-8"?>
 <p:sld xmlns:a="http://schemas.openxmlformats.org/drawingml/2006/main" xmlns:r="http://schemas.openxmlformats.org/officeDocument/2006/relationships" xmlns:p="http://schemas.openxmlformats.org/presentationml/2006/main">
   <p:cSld>
@@ -4066,10 +4537,10 @@
           <a:lstStyle/>
           <a:p>
             <a:r>
-              <a:rPr lang="zh-CN" altLang="en-US" dirty="0">
-                <a:sym typeface="+mn-ea"/>
-              </a:rPr>
-              <a:t>事件循环</a:t>
+              <a:rPr lang="zh-CN" altLang="en-US">
+                <a:sym typeface="+mn-ea"/>
+              </a:rPr>
+              <a:t>数据结构</a:t>
             </a:r>
             <a:endParaRPr lang="zh-CN" altLang="en-US" dirty="0"/>
           </a:p>
@@ -4085,51 +4556,103 @@
             <p:ph idx="1"/>
           </p:nvPr>
         </p:nvSpPr>
-        <p:spPr>
-          <a:xfrm>
-            <a:off x="467360" y="1628775"/>
-            <a:ext cx="8229600" cy="4525963"/>
-          </a:xfrm>
-        </p:spPr>
+        <p:spPr/>
         <p:txBody>
           <a:bodyPr/>
           <a:lstStyle/>
           <a:p>
             <a:r>
-              <a:rPr lang="zh-CN" altLang="en-US" sz="2800"/>
-              <a:t>流程图：</a:t>
+              <a:rPr lang="zh-CN" altLang="en-US">
+                <a:sym typeface="+mn-ea"/>
+              </a:rPr>
+              <a:t>event_signal_map</a:t>
+            </a:r>
+            <a:endParaRPr lang="zh-CN" altLang="en-US">
+              <a:sym typeface="+mn-ea"/>
+            </a:endParaRPr>
+          </a:p>
+          <a:p>
+            <a:pPr marL="0" indent="0">
+              <a:buNone/>
+            </a:pPr>
+            <a:r>
+              <a:rPr lang="en-US" altLang="zh-CN" sz="2800"/>
+              <a:t>1</a:t>
+            </a:r>
+            <a:r>
+              <a:rPr lang="zh-CN" altLang="en-US" sz="2800"/>
+              <a:t>、evmap_signal结构体是一个TAILQ_QUEUE队列</a:t>
+            </a:r>
+            <a:r>
+              <a:rPr lang="en-US" altLang="zh-CN" sz="2800"/>
+              <a:t>,同一个文件描述符fd或者信号值sig</a:t>
+            </a:r>
+            <a:r>
+              <a:rPr lang="zh-CN" altLang="en-US" sz="2800"/>
+              <a:t>通过</a:t>
+            </a:r>
+            <a:r>
+              <a:rPr lang="en-US" altLang="zh-CN" sz="2800"/>
+              <a:t>多次调用event_new、event_add函数</a:t>
+            </a:r>
+            <a:r>
+              <a:rPr lang="zh-CN" altLang="en-US" sz="2800"/>
+              <a:t>添加多个事件，</a:t>
+            </a:r>
+            <a:r>
+              <a:rPr lang="en-US" altLang="zh-CN" sz="2800"/>
+              <a:t>即存在一对多</a:t>
+            </a:r>
+            <a:r>
+              <a:rPr lang="zh-CN" altLang="en-US" sz="2800"/>
+              <a:t>关系</a:t>
+            </a:r>
+            <a:r>
+              <a:rPr lang="en-US" altLang="zh-CN" sz="2800"/>
+              <a:t>。</a:t>
+            </a:r>
+            <a:r>
+              <a:rPr lang="zh-CN" altLang="en-US" sz="2800"/>
+              <a:t>队列把多个事件连接起来</a:t>
+            </a:r>
+            <a:r>
+              <a:rPr lang="en-US" altLang="zh-CN" sz="2800"/>
+              <a:t>，方便管理。</a:t>
+            </a:r>
+            <a:endParaRPr lang="en-US" altLang="zh-CN" sz="2800"/>
+          </a:p>
+          <a:p>
+            <a:pPr marL="0" indent="0">
+              <a:buNone/>
+            </a:pPr>
+            <a:r>
+              <a:rPr lang="en-US" altLang="zh-CN" sz="2800"/>
+              <a:t>2</a:t>
+            </a:r>
+            <a:r>
+              <a:rPr lang="zh-CN" altLang="en-US" sz="2800"/>
+              <a:t>、在</a:t>
+            </a:r>
+            <a:r>
+              <a:rPr lang="en-US" altLang="zh-CN" sz="2800"/>
+              <a:t>event_base</a:t>
+            </a:r>
+            <a:r>
+              <a:rPr lang="zh-CN" altLang="en-US" sz="2800"/>
+              <a:t>结构体中，信号和</a:t>
+            </a:r>
+            <a:r>
+              <a:rPr lang="en-US" altLang="zh-CN" sz="2800"/>
+              <a:t>IO</a:t>
+            </a:r>
+            <a:r>
+              <a:rPr lang="zh-CN" altLang="en-US" sz="2800"/>
+              <a:t>为两个分开的变量。</a:t>
             </a:r>
             <a:endParaRPr lang="zh-CN" altLang="en-US" sz="2800"/>
           </a:p>
-          <a:p>
-            <a:endParaRPr lang="zh-CN" altLang="en-US" sz="2800"/>
-          </a:p>
-        </p:txBody>
-      </p:sp>
-      <p:pic>
-        <p:nvPicPr>
-          <p:cNvPr id="4" name="图片 3"/>
-          <p:cNvPicPr>
-            <a:picLocks noChangeAspect="1"/>
-          </p:cNvPicPr>
-          <p:nvPr/>
-        </p:nvPicPr>
-        <p:blipFill>
-          <a:blip r:embed="rId1"/>
-          <a:stretch>
-            <a:fillRect/>
-          </a:stretch>
-        </p:blipFill>
-        <p:spPr>
-          <a:xfrm>
-            <a:off x="971550" y="2277110"/>
-            <a:ext cx="7181215" cy="2419350"/>
-          </a:xfrm>
-          <a:prstGeom prst="rect">
-            <a:avLst/>
-          </a:prstGeom>
-        </p:spPr>
-      </p:pic>
+        </p:txBody>
+      </p:sp>
     </p:spTree>
   </p:cSld>
   <p:clrMapOvr>
